--- a/Movie Theater ticket sales system.pptx
+++ b/Movie Theater ticket sales system.pptx
@@ -154,12 +154,13 @@
 <file path=ppt/revisionInfo.xml><?xml version="1.0" encoding="utf-8"?>
 <p1510:revInfo xmlns:a="http://schemas.openxmlformats.org/drawingml/2006/main" xmlns:r="http://schemas.openxmlformats.org/officeDocument/2006/relationships" xmlns:p1510="http://schemas.microsoft.com/office/powerpoint/2015/10/main">
   <p1510:revLst>
+    <p1510:client id="{098CED7F-418E-DF5C-831C-7201BE900D66}" v="3" dt="2019-06-04T23:26:12.558"/>
     <p1510:client id="{24AD595C-112D-40A9-24F3-A1B2FF3ECCAE}" v="342" dt="2019-06-04T21:38:30.643"/>
     <p1510:client id="{55D4DBD9-F365-DD93-91F5-76F75792CB54}" v="2" dt="2019-06-04T22:42:19.741"/>
-    <p1510:client id="{E56BA32A-89D0-FCFC-A197-3E50565364E9}" v="368" dt="2019-06-04T22:51:26.420"/>
     <p1510:client id="{68042F39-FB68-180A-D614-E5A98D4655C2}" v="87" dt="2019-06-04T21:12:51.385"/>
     <p1510:client id="{840E34F3-AB6D-5C27-3E1B-70F1D7265D0B}" v="24" dt="2019-06-04T22:42:16.071"/>
     <p1510:client id="{8D55D7E5-A12C-E2B6-37A1-B2734A1EB713}" v="466" dt="2019-06-04T21:27:39.967"/>
+    <p1510:client id="{E56BA32A-89D0-FCFC-A197-3E50565364E9}" v="370" dt="2019-06-04T22:53:04.358"/>
   </p1510:revLst>
 </p1510:revInfo>
 </file>
@@ -1084,6 +1085,925 @@
 </file>
 
 <file path=ppt/diagrams/colors2.xml><?xml version="1.0" encoding="utf-8"?>
+<dgm:colorsDef xmlns:dgm="http://schemas.openxmlformats.org/drawingml/2006/diagram" xmlns:a="http://schemas.openxmlformats.org/drawingml/2006/main" uniqueId="urn:microsoft.com/office/officeart/2005/8/colors/colorful1">
+  <dgm:title val=""/>
+  <dgm:desc val=""/>
+  <dgm:catLst>
+    <dgm:cat type="colorful" pri="10100"/>
+  </dgm:catLst>
+  <dgm:styleLbl name="node0">
+    <dgm:fillClrLst meth="repeat">
+      <a:schemeClr val="accent1"/>
+    </dgm:fillClrLst>
+    <dgm:linClrLst meth="repeat">
+      <a:schemeClr val="lt1"/>
+    </dgm:linClrLst>
+    <dgm:effectClrLst/>
+    <dgm:txLinClrLst/>
+    <dgm:txFillClrLst/>
+    <dgm:txEffectClrLst/>
+  </dgm:styleLbl>
+  <dgm:styleLbl name="node1">
+    <dgm:fillClrLst meth="repeat">
+      <a:schemeClr val="accent2"/>
+      <a:schemeClr val="accent3"/>
+      <a:schemeClr val="accent4"/>
+      <a:schemeClr val="accent5"/>
+      <a:schemeClr val="accent6"/>
+    </dgm:fillClrLst>
+    <dgm:linClrLst meth="repeat">
+      <a:schemeClr val="lt1"/>
+    </dgm:linClrLst>
+    <dgm:effectClrLst/>
+    <dgm:txLinClrLst/>
+    <dgm:txFillClrLst/>
+    <dgm:txEffectClrLst/>
+  </dgm:styleLbl>
+  <dgm:styleLbl name="alignNode1">
+    <dgm:fillClrLst meth="repeat">
+      <a:schemeClr val="accent2"/>
+      <a:schemeClr val="accent3"/>
+      <a:schemeClr val="accent4"/>
+      <a:schemeClr val="accent5"/>
+      <a:schemeClr val="accent6"/>
+    </dgm:fillClrLst>
+    <dgm:linClrLst meth="repeat">
+      <a:schemeClr val="accent2"/>
+      <a:schemeClr val="accent3"/>
+      <a:schemeClr val="accent4"/>
+      <a:schemeClr val="accent5"/>
+      <a:schemeClr val="accent6"/>
+    </dgm:linClrLst>
+    <dgm:effectClrLst/>
+    <dgm:txLinClrLst/>
+    <dgm:txFillClrLst/>
+    <dgm:txEffectClrLst/>
+  </dgm:styleLbl>
+  <dgm:styleLbl name="lnNode1">
+    <dgm:fillClrLst meth="repeat">
+      <a:schemeClr val="accent2"/>
+      <a:schemeClr val="accent3"/>
+      <a:schemeClr val="accent4"/>
+      <a:schemeClr val="accent5"/>
+      <a:schemeClr val="accent6"/>
+    </dgm:fillClrLst>
+    <dgm:linClrLst meth="repeat">
+      <a:schemeClr val="lt1"/>
+    </dgm:linClrLst>
+    <dgm:effectClrLst/>
+    <dgm:txLinClrLst/>
+    <dgm:txFillClrLst/>
+    <dgm:txEffectClrLst/>
+  </dgm:styleLbl>
+  <dgm:styleLbl name="vennNode1">
+    <dgm:fillClrLst meth="repeat">
+      <a:schemeClr val="accent2">
+        <a:alpha val="50000"/>
+      </a:schemeClr>
+      <a:schemeClr val="accent3">
+        <a:alpha val="50000"/>
+      </a:schemeClr>
+      <a:schemeClr val="accent4">
+        <a:alpha val="50000"/>
+      </a:schemeClr>
+      <a:schemeClr val="accent5">
+        <a:alpha val="50000"/>
+      </a:schemeClr>
+      <a:schemeClr val="accent6">
+        <a:alpha val="50000"/>
+      </a:schemeClr>
+    </dgm:fillClrLst>
+    <dgm:linClrLst meth="repeat">
+      <a:schemeClr val="lt1"/>
+    </dgm:linClrLst>
+    <dgm:effectClrLst/>
+    <dgm:txLinClrLst/>
+    <dgm:txFillClrLst/>
+    <dgm:txEffectClrLst/>
+  </dgm:styleLbl>
+  <dgm:styleLbl name="node2">
+    <dgm:fillClrLst>
+      <a:schemeClr val="accent2"/>
+    </dgm:fillClrLst>
+    <dgm:linClrLst meth="repeat">
+      <a:schemeClr val="lt1"/>
+    </dgm:linClrLst>
+    <dgm:effectClrLst/>
+    <dgm:txLinClrLst/>
+    <dgm:txFillClrLst/>
+    <dgm:txEffectClrLst/>
+  </dgm:styleLbl>
+  <dgm:styleLbl name="node3">
+    <dgm:fillClrLst>
+      <a:schemeClr val="accent3"/>
+    </dgm:fillClrLst>
+    <dgm:linClrLst meth="repeat">
+      <a:schemeClr val="lt1"/>
+    </dgm:linClrLst>
+    <dgm:effectClrLst/>
+    <dgm:txLinClrLst/>
+    <dgm:txFillClrLst/>
+    <dgm:txEffectClrLst/>
+  </dgm:styleLbl>
+  <dgm:styleLbl name="node4">
+    <dgm:fillClrLst>
+      <a:schemeClr val="accent4"/>
+    </dgm:fillClrLst>
+    <dgm:linClrLst meth="repeat">
+      <a:schemeClr val="lt1"/>
+    </dgm:linClrLst>
+    <dgm:effectClrLst/>
+    <dgm:txLinClrLst/>
+    <dgm:txFillClrLst/>
+    <dgm:txEffectClrLst/>
+  </dgm:styleLbl>
+  <dgm:styleLbl name="fgImgPlace1">
+    <dgm:fillClrLst meth="repeat">
+      <a:schemeClr val="accent2">
+        <a:tint val="50000"/>
+      </a:schemeClr>
+      <a:schemeClr val="accent3">
+        <a:tint val="50000"/>
+      </a:schemeClr>
+      <a:schemeClr val="accent4">
+        <a:tint val="50000"/>
+      </a:schemeClr>
+      <a:schemeClr val="accent5">
+        <a:tint val="50000"/>
+      </a:schemeClr>
+      <a:schemeClr val="accent6">
+        <a:tint val="50000"/>
+      </a:schemeClr>
+    </dgm:fillClrLst>
+    <dgm:linClrLst meth="repeat">
+      <a:schemeClr val="lt1"/>
+    </dgm:linClrLst>
+    <dgm:effectClrLst/>
+    <dgm:txLinClrLst/>
+    <dgm:txFillClrLst meth="repeat">
+      <a:schemeClr val="lt1"/>
+    </dgm:txFillClrLst>
+    <dgm:txEffectClrLst/>
+  </dgm:styleLbl>
+  <dgm:styleLbl name="alignImgPlace1">
+    <dgm:fillClrLst>
+      <a:schemeClr val="accent1">
+        <a:tint val="50000"/>
+      </a:schemeClr>
+      <a:schemeClr val="accent2">
+        <a:tint val="20000"/>
+      </a:schemeClr>
+    </dgm:fillClrLst>
+    <dgm:linClrLst meth="repeat">
+      <a:schemeClr val="lt1"/>
+    </dgm:linClrLst>
+    <dgm:effectClrLst/>
+    <dgm:txLinClrLst/>
+    <dgm:txFillClrLst meth="repeat">
+      <a:schemeClr val="lt1"/>
+    </dgm:txFillClrLst>
+    <dgm:txEffectClrLst/>
+  </dgm:styleLbl>
+  <dgm:styleLbl name="bgImgPlace1">
+    <dgm:fillClrLst>
+      <a:schemeClr val="accent1">
+        <a:tint val="50000"/>
+      </a:schemeClr>
+      <a:schemeClr val="accent2">
+        <a:tint val="20000"/>
+      </a:schemeClr>
+    </dgm:fillClrLst>
+    <dgm:linClrLst meth="repeat">
+      <a:schemeClr val="lt1"/>
+    </dgm:linClrLst>
+    <dgm:effectClrLst/>
+    <dgm:txLinClrLst/>
+    <dgm:txFillClrLst meth="repeat">
+      <a:schemeClr val="lt1"/>
+    </dgm:txFillClrLst>
+    <dgm:txEffectClrLst/>
+  </dgm:styleLbl>
+  <dgm:styleLbl name="sibTrans2D1">
+    <dgm:fillClrLst meth="repeat">
+      <a:schemeClr val="accent2"/>
+      <a:schemeClr val="accent3"/>
+      <a:schemeClr val="accent4"/>
+      <a:schemeClr val="accent5"/>
+      <a:schemeClr val="accent6"/>
+    </dgm:fillClrLst>
+    <dgm:linClrLst meth="cycle">
+      <a:schemeClr val="lt1"/>
+    </dgm:linClrLst>
+    <dgm:effectClrLst/>
+    <dgm:txLinClrLst/>
+    <dgm:txFillClrLst/>
+    <dgm:txEffectClrLst/>
+  </dgm:styleLbl>
+  <dgm:styleLbl name="fgSibTrans2D1">
+    <dgm:fillClrLst meth="repeat">
+      <a:schemeClr val="accent2"/>
+      <a:schemeClr val="accent3"/>
+      <a:schemeClr val="accent4"/>
+      <a:schemeClr val="accent5"/>
+      <a:schemeClr val="accent6"/>
+    </dgm:fillClrLst>
+    <dgm:linClrLst meth="cycle">
+      <a:schemeClr val="lt1"/>
+    </dgm:linClrLst>
+    <dgm:effectClrLst/>
+    <dgm:txLinClrLst/>
+    <dgm:txFillClrLst meth="repeat">
+      <a:schemeClr val="lt1"/>
+    </dgm:txFillClrLst>
+    <dgm:txEffectClrLst/>
+  </dgm:styleLbl>
+  <dgm:styleLbl name="bgSibTrans2D1">
+    <dgm:fillClrLst meth="repeat">
+      <a:schemeClr val="accent2"/>
+      <a:schemeClr val="accent3"/>
+      <a:schemeClr val="accent4"/>
+      <a:schemeClr val="accent5"/>
+      <a:schemeClr val="accent6"/>
+    </dgm:fillClrLst>
+    <dgm:linClrLst meth="cycle">
+      <a:schemeClr val="lt1"/>
+    </dgm:linClrLst>
+    <dgm:effectClrLst/>
+    <dgm:txLinClrLst/>
+    <dgm:txFillClrLst meth="repeat">
+      <a:schemeClr val="lt1"/>
+    </dgm:txFillClrLst>
+    <dgm:txEffectClrLst/>
+  </dgm:styleLbl>
+  <dgm:styleLbl name="sibTrans1D1">
+    <dgm:fillClrLst meth="repeat">
+      <a:schemeClr val="accent2"/>
+      <a:schemeClr val="accent3"/>
+      <a:schemeClr val="accent4"/>
+      <a:schemeClr val="accent5"/>
+      <a:schemeClr val="accent6"/>
+    </dgm:fillClrLst>
+    <dgm:linClrLst meth="repeat">
+      <a:schemeClr val="accent2"/>
+      <a:schemeClr val="accent3"/>
+      <a:schemeClr val="accent4"/>
+      <a:schemeClr val="accent5"/>
+      <a:schemeClr val="accent6"/>
+    </dgm:linClrLst>
+    <dgm:effectClrLst/>
+    <dgm:txLinClrLst/>
+    <dgm:txFillClrLst meth="repeat">
+      <a:schemeClr val="tx1"/>
+    </dgm:txFillClrLst>
+    <dgm:txEffectClrLst/>
+  </dgm:styleLbl>
+  <dgm:styleLbl name="callout">
+    <dgm:fillClrLst meth="repeat">
+      <a:schemeClr val="accent2"/>
+    </dgm:fillClrLst>
+    <dgm:linClrLst meth="repeat">
+      <a:schemeClr val="accent2">
+        <a:tint val="50000"/>
+      </a:schemeClr>
+    </dgm:linClrLst>
+    <dgm:effectClrLst/>
+    <dgm:txLinClrLst/>
+    <dgm:txFillClrLst meth="repeat">
+      <a:schemeClr val="tx1"/>
+    </dgm:txFillClrLst>
+    <dgm:txEffectClrLst/>
+  </dgm:styleLbl>
+  <dgm:styleLbl name="asst0">
+    <dgm:fillClrLst meth="repeat">
+      <a:schemeClr val="accent1"/>
+    </dgm:fillClrLst>
+    <dgm:linClrLst meth="repeat">
+      <a:schemeClr val="lt1"/>
+    </dgm:linClrLst>
+    <dgm:effectClrLst/>
+    <dgm:txLinClrLst/>
+    <dgm:txFillClrLst/>
+    <dgm:txEffectClrLst/>
+  </dgm:styleLbl>
+  <dgm:styleLbl name="asst1">
+    <dgm:fillClrLst meth="repeat">
+      <a:schemeClr val="accent2"/>
+    </dgm:fillClrLst>
+    <dgm:linClrLst meth="repeat">
+      <a:schemeClr val="lt1"/>
+    </dgm:linClrLst>
+    <dgm:effectClrLst/>
+    <dgm:txLinClrLst/>
+    <dgm:txFillClrLst/>
+    <dgm:txEffectClrLst/>
+  </dgm:styleLbl>
+  <dgm:styleLbl name="asst2">
+    <dgm:fillClrLst>
+      <a:schemeClr val="accent3"/>
+    </dgm:fillClrLst>
+    <dgm:linClrLst meth="repeat">
+      <a:schemeClr val="lt1"/>
+    </dgm:linClrLst>
+    <dgm:effectClrLst/>
+    <dgm:txLinClrLst/>
+    <dgm:txFillClrLst/>
+    <dgm:txEffectClrLst/>
+  </dgm:styleLbl>
+  <dgm:styleLbl name="asst3">
+    <dgm:fillClrLst>
+      <a:schemeClr val="accent4"/>
+    </dgm:fillClrLst>
+    <dgm:linClrLst meth="repeat">
+      <a:schemeClr val="lt1"/>
+    </dgm:linClrLst>
+    <dgm:effectClrLst/>
+    <dgm:txLinClrLst/>
+    <dgm:txFillClrLst/>
+    <dgm:txEffectClrLst/>
+  </dgm:styleLbl>
+  <dgm:styleLbl name="asst4">
+    <dgm:fillClrLst>
+      <a:schemeClr val="accent5"/>
+    </dgm:fillClrLst>
+    <dgm:linClrLst meth="repeat">
+      <a:schemeClr val="lt1"/>
+    </dgm:linClrLst>
+    <dgm:effectClrLst/>
+    <dgm:txLinClrLst/>
+    <dgm:txFillClrLst/>
+    <dgm:txEffectClrLst/>
+  </dgm:styleLbl>
+  <dgm:styleLbl name="parChTrans2D1">
+    <dgm:fillClrLst meth="repeat">
+      <a:schemeClr val="accent2"/>
+    </dgm:fillClrLst>
+    <dgm:linClrLst meth="repeat">
+      <a:schemeClr val="lt1"/>
+    </dgm:linClrLst>
+    <dgm:effectClrLst/>
+    <dgm:txLinClrLst/>
+    <dgm:txFillClrLst meth="repeat">
+      <a:schemeClr val="lt1"/>
+    </dgm:txFillClrLst>
+    <dgm:txEffectClrLst/>
+  </dgm:styleLbl>
+  <dgm:styleLbl name="parChTrans2D2">
+    <dgm:fillClrLst meth="repeat">
+      <a:schemeClr val="accent3"/>
+    </dgm:fillClrLst>
+    <dgm:linClrLst meth="repeat">
+      <a:schemeClr val="lt1"/>
+    </dgm:linClrLst>
+    <dgm:effectClrLst/>
+    <dgm:txLinClrLst/>
+    <dgm:txFillClrLst/>
+    <dgm:txEffectClrLst/>
+  </dgm:styleLbl>
+  <dgm:styleLbl name="parChTrans2D3">
+    <dgm:fillClrLst meth="repeat">
+      <a:schemeClr val="accent4"/>
+    </dgm:fillClrLst>
+    <dgm:linClrLst meth="repeat">
+      <a:schemeClr val="lt1"/>
+    </dgm:linClrLst>
+    <dgm:effectClrLst/>
+    <dgm:txLinClrLst/>
+    <dgm:txFillClrLst/>
+    <dgm:txEffectClrLst/>
+  </dgm:styleLbl>
+  <dgm:styleLbl name="parChTrans2D4">
+    <dgm:fillClrLst meth="repeat">
+      <a:schemeClr val="accent5"/>
+    </dgm:fillClrLst>
+    <dgm:linClrLst meth="repeat">
+      <a:schemeClr val="lt1"/>
+    </dgm:linClrLst>
+    <dgm:effectClrLst/>
+    <dgm:txLinClrLst/>
+    <dgm:txFillClrLst meth="repeat">
+      <a:schemeClr val="lt1"/>
+    </dgm:txFillClrLst>
+    <dgm:txEffectClrLst/>
+  </dgm:styleLbl>
+  <dgm:styleLbl name="parChTrans1D1">
+    <dgm:fillClrLst meth="repeat">
+      <a:schemeClr val="accent2"/>
+    </dgm:fillClrLst>
+    <dgm:linClrLst meth="repeat">
+      <a:schemeClr val="accent1"/>
+    </dgm:linClrLst>
+    <dgm:effectClrLst/>
+    <dgm:txLinClrLst/>
+    <dgm:txFillClrLst meth="repeat">
+      <a:schemeClr val="tx1"/>
+    </dgm:txFillClrLst>
+    <dgm:txEffectClrLst/>
+  </dgm:styleLbl>
+  <dgm:styleLbl name="parChTrans1D2">
+    <dgm:fillClrLst meth="repeat">
+      <a:schemeClr val="accent3">
+        <a:tint val="90000"/>
+      </a:schemeClr>
+    </dgm:fillClrLst>
+    <dgm:linClrLst meth="repeat">
+      <a:schemeClr val="accent2"/>
+    </dgm:linClrLst>
+    <dgm:effectClrLst/>
+    <dgm:txLinClrLst/>
+    <dgm:txFillClrLst meth="repeat">
+      <a:schemeClr val="tx1"/>
+    </dgm:txFillClrLst>
+    <dgm:txEffectClrLst/>
+  </dgm:styleLbl>
+  <dgm:styleLbl name="parChTrans1D3">
+    <dgm:fillClrLst meth="repeat">
+      <a:schemeClr val="accent4">
+        <a:tint val="70000"/>
+      </a:schemeClr>
+    </dgm:fillClrLst>
+    <dgm:linClrLst meth="repeat">
+      <a:schemeClr val="accent3"/>
+    </dgm:linClrLst>
+    <dgm:effectClrLst/>
+    <dgm:txLinClrLst/>
+    <dgm:txFillClrLst meth="repeat">
+      <a:schemeClr val="tx1"/>
+    </dgm:txFillClrLst>
+    <dgm:txEffectClrLst/>
+  </dgm:styleLbl>
+  <dgm:styleLbl name="parChTrans1D4">
+    <dgm:fillClrLst meth="repeat">
+      <a:schemeClr val="accent5">
+        <a:tint val="50000"/>
+      </a:schemeClr>
+    </dgm:fillClrLst>
+    <dgm:linClrLst meth="repeat">
+      <a:schemeClr val="accent4"/>
+    </dgm:linClrLst>
+    <dgm:effectClrLst/>
+    <dgm:txLinClrLst/>
+    <dgm:txFillClrLst meth="repeat">
+      <a:schemeClr val="tx1"/>
+    </dgm:txFillClrLst>
+    <dgm:txEffectClrLst/>
+  </dgm:styleLbl>
+  <dgm:styleLbl name="fgAcc1">
+    <dgm:fillClrLst meth="repeat">
+      <a:schemeClr val="lt1">
+        <a:alpha val="90000"/>
+      </a:schemeClr>
+    </dgm:fillClrLst>
+    <dgm:linClrLst meth="repeat">
+      <a:schemeClr val="accent2"/>
+      <a:schemeClr val="accent3"/>
+      <a:schemeClr val="accent4"/>
+      <a:schemeClr val="accent5"/>
+      <a:schemeClr val="accent6"/>
+    </dgm:linClrLst>
+    <dgm:effectClrLst/>
+    <dgm:txLinClrLst/>
+    <dgm:txFillClrLst meth="repeat">
+      <a:schemeClr val="dk1"/>
+    </dgm:txFillClrLst>
+    <dgm:txEffectClrLst/>
+  </dgm:styleLbl>
+  <dgm:styleLbl name="conFgAcc1">
+    <dgm:fillClrLst meth="repeat">
+      <a:schemeClr val="lt1">
+        <a:alpha val="90000"/>
+      </a:schemeClr>
+    </dgm:fillClrLst>
+    <dgm:linClrLst meth="repeat">
+      <a:schemeClr val="accent2"/>
+      <a:schemeClr val="accent3"/>
+      <a:schemeClr val="accent4"/>
+      <a:schemeClr val="accent5"/>
+      <a:schemeClr val="accent6"/>
+    </dgm:linClrLst>
+    <dgm:effectClrLst/>
+    <dgm:txLinClrLst/>
+    <dgm:txFillClrLst meth="repeat">
+      <a:schemeClr val="dk1"/>
+    </dgm:txFillClrLst>
+    <dgm:txEffectClrLst/>
+  </dgm:styleLbl>
+  <dgm:styleLbl name="alignAcc1">
+    <dgm:fillClrLst meth="repeat">
+      <a:schemeClr val="lt1">
+        <a:alpha val="90000"/>
+      </a:schemeClr>
+    </dgm:fillClrLst>
+    <dgm:linClrLst meth="repeat">
+      <a:schemeClr val="accent2"/>
+      <a:schemeClr val="accent3"/>
+      <a:schemeClr val="accent4"/>
+      <a:schemeClr val="accent5"/>
+      <a:schemeClr val="accent6"/>
+    </dgm:linClrLst>
+    <dgm:effectClrLst/>
+    <dgm:txLinClrLst/>
+    <dgm:txFillClrLst meth="repeat">
+      <a:schemeClr val="dk1"/>
+    </dgm:txFillClrLst>
+    <dgm:txEffectClrLst/>
+  </dgm:styleLbl>
+  <dgm:styleLbl name="trAlignAcc1">
+    <dgm:fillClrLst meth="repeat">
+      <a:schemeClr val="lt1">
+        <a:alpha val="40000"/>
+      </a:schemeClr>
+    </dgm:fillClrLst>
+    <dgm:linClrLst meth="repeat">
+      <a:schemeClr val="accent1"/>
+    </dgm:linClrLst>
+    <dgm:effectClrLst/>
+    <dgm:txLinClrLst/>
+    <dgm:txFillClrLst meth="repeat">
+      <a:schemeClr val="dk1"/>
+    </dgm:txFillClrLst>
+    <dgm:txEffectClrLst/>
+  </dgm:styleLbl>
+  <dgm:styleLbl name="bgAcc1">
+    <dgm:fillClrLst meth="repeat">
+      <a:schemeClr val="lt1">
+        <a:alpha val="90000"/>
+      </a:schemeClr>
+    </dgm:fillClrLst>
+    <dgm:linClrLst meth="repeat">
+      <a:schemeClr val="accent2"/>
+      <a:schemeClr val="accent3"/>
+      <a:schemeClr val="accent4"/>
+      <a:schemeClr val="accent5"/>
+      <a:schemeClr val="accent6"/>
+    </dgm:linClrLst>
+    <dgm:effectClrLst/>
+    <dgm:txLinClrLst/>
+    <dgm:txFillClrLst meth="repeat">
+      <a:schemeClr val="dk1"/>
+    </dgm:txFillClrLst>
+    <dgm:txEffectClrLst/>
+  </dgm:styleLbl>
+  <dgm:styleLbl name="solidFgAcc1">
+    <dgm:fillClrLst meth="repeat">
+      <a:schemeClr val="lt1"/>
+    </dgm:fillClrLst>
+    <dgm:linClrLst meth="repeat">
+      <a:schemeClr val="accent2"/>
+      <a:schemeClr val="accent3"/>
+      <a:schemeClr val="accent4"/>
+      <a:schemeClr val="accent5"/>
+      <a:schemeClr val="accent6"/>
+    </dgm:linClrLst>
+    <dgm:effectClrLst/>
+    <dgm:txLinClrLst/>
+    <dgm:txFillClrLst meth="repeat">
+      <a:schemeClr val="dk1"/>
+    </dgm:txFillClrLst>
+    <dgm:txEffectClrLst/>
+  </dgm:styleLbl>
+  <dgm:styleLbl name="solidAlignAcc1">
+    <dgm:fillClrLst meth="repeat">
+      <a:schemeClr val="lt1"/>
+    </dgm:fillClrLst>
+    <dgm:linClrLst meth="repeat">
+      <a:schemeClr val="accent2"/>
+      <a:schemeClr val="accent3"/>
+      <a:schemeClr val="accent4"/>
+      <a:schemeClr val="accent5"/>
+      <a:schemeClr val="accent6"/>
+    </dgm:linClrLst>
+    <dgm:effectClrLst/>
+    <dgm:txLinClrLst/>
+    <dgm:txFillClrLst meth="repeat">
+      <a:schemeClr val="dk1"/>
+    </dgm:txFillClrLst>
+    <dgm:txEffectClrLst/>
+  </dgm:styleLbl>
+  <dgm:styleLbl name="solidBgAcc1">
+    <dgm:fillClrLst meth="repeat">
+      <a:schemeClr val="lt1"/>
+    </dgm:fillClrLst>
+    <dgm:linClrLst meth="repeat">
+      <a:schemeClr val="accent2"/>
+      <a:schemeClr val="accent3"/>
+      <a:schemeClr val="accent4"/>
+      <a:schemeClr val="accent5"/>
+      <a:schemeClr val="accent6"/>
+    </dgm:linClrLst>
+    <dgm:effectClrLst/>
+    <dgm:txLinClrLst/>
+    <dgm:txFillClrLst meth="repeat">
+      <a:schemeClr val="dk1"/>
+    </dgm:txFillClrLst>
+    <dgm:txEffectClrLst/>
+  </dgm:styleLbl>
+  <dgm:styleLbl name="fgAccFollowNode1">
+    <dgm:fillClrLst meth="repeat">
+      <a:schemeClr val="accent2">
+        <a:tint val="40000"/>
+        <a:alpha val="90000"/>
+      </a:schemeClr>
+      <a:schemeClr val="accent3">
+        <a:tint val="40000"/>
+        <a:alpha val="90000"/>
+      </a:schemeClr>
+      <a:schemeClr val="accent4">
+        <a:tint val="40000"/>
+        <a:alpha val="90000"/>
+      </a:schemeClr>
+      <a:schemeClr val="accent5">
+        <a:tint val="40000"/>
+        <a:alpha val="90000"/>
+      </a:schemeClr>
+      <a:schemeClr val="accent6">
+        <a:tint val="40000"/>
+        <a:alpha val="90000"/>
+      </a:schemeClr>
+    </dgm:fillClrLst>
+    <dgm:linClrLst meth="repeat">
+      <a:schemeClr val="accent2">
+        <a:tint val="40000"/>
+        <a:alpha val="90000"/>
+      </a:schemeClr>
+      <a:schemeClr val="accent3">
+        <a:tint val="40000"/>
+        <a:alpha val="90000"/>
+      </a:schemeClr>
+      <a:schemeClr val="accent4">
+        <a:tint val="40000"/>
+        <a:alpha val="90000"/>
+      </a:schemeClr>
+      <a:schemeClr val="accent5">
+        <a:tint val="40000"/>
+        <a:alpha val="90000"/>
+      </a:schemeClr>
+      <a:schemeClr val="accent6">
+        <a:tint val="40000"/>
+        <a:alpha val="90000"/>
+      </a:schemeClr>
+    </dgm:linClrLst>
+    <dgm:effectClrLst/>
+    <dgm:txLinClrLst/>
+    <dgm:txFillClrLst meth="repeat">
+      <a:schemeClr val="dk1"/>
+    </dgm:txFillClrLst>
+    <dgm:txEffectClrLst/>
+  </dgm:styleLbl>
+  <dgm:styleLbl name="alignAccFollowNode1">
+    <dgm:fillClrLst meth="repeat">
+      <a:schemeClr val="accent2">
+        <a:tint val="40000"/>
+        <a:alpha val="90000"/>
+      </a:schemeClr>
+      <a:schemeClr val="accent3">
+        <a:tint val="40000"/>
+        <a:alpha val="90000"/>
+      </a:schemeClr>
+      <a:schemeClr val="accent4">
+        <a:tint val="40000"/>
+        <a:alpha val="90000"/>
+      </a:schemeClr>
+      <a:schemeClr val="accent5">
+        <a:tint val="40000"/>
+        <a:alpha val="90000"/>
+      </a:schemeClr>
+      <a:schemeClr val="accent6">
+        <a:tint val="40000"/>
+        <a:alpha val="90000"/>
+      </a:schemeClr>
+    </dgm:fillClrLst>
+    <dgm:linClrLst meth="repeat">
+      <a:schemeClr val="accent2">
+        <a:tint val="40000"/>
+        <a:alpha val="90000"/>
+      </a:schemeClr>
+      <a:schemeClr val="accent3">
+        <a:tint val="40000"/>
+        <a:alpha val="90000"/>
+      </a:schemeClr>
+      <a:schemeClr val="accent4">
+        <a:tint val="40000"/>
+        <a:alpha val="90000"/>
+      </a:schemeClr>
+      <a:schemeClr val="accent5">
+        <a:tint val="40000"/>
+        <a:alpha val="90000"/>
+      </a:schemeClr>
+      <a:schemeClr val="accent6">
+        <a:tint val="40000"/>
+        <a:alpha val="90000"/>
+      </a:schemeClr>
+    </dgm:linClrLst>
+    <dgm:effectClrLst/>
+    <dgm:txLinClrLst/>
+    <dgm:txFillClrLst meth="repeat">
+      <a:schemeClr val="dk1"/>
+    </dgm:txFillClrLst>
+    <dgm:txEffectClrLst/>
+  </dgm:styleLbl>
+  <dgm:styleLbl name="bgAccFollowNode1">
+    <dgm:fillClrLst meth="repeat">
+      <a:schemeClr val="accent2">
+        <a:tint val="40000"/>
+        <a:alpha val="90000"/>
+      </a:schemeClr>
+      <a:schemeClr val="accent3">
+        <a:tint val="40000"/>
+        <a:alpha val="90000"/>
+      </a:schemeClr>
+      <a:schemeClr val="accent4">
+        <a:tint val="40000"/>
+        <a:alpha val="90000"/>
+      </a:schemeClr>
+      <a:schemeClr val="accent5">
+        <a:tint val="40000"/>
+        <a:alpha val="90000"/>
+      </a:schemeClr>
+      <a:schemeClr val="accent6">
+        <a:tint val="40000"/>
+        <a:alpha val="90000"/>
+      </a:schemeClr>
+    </dgm:fillClrLst>
+    <dgm:linClrLst meth="repeat">
+      <a:schemeClr val="accent2">
+        <a:tint val="40000"/>
+        <a:alpha val="90000"/>
+      </a:schemeClr>
+      <a:schemeClr val="accent3">
+        <a:tint val="40000"/>
+        <a:alpha val="90000"/>
+      </a:schemeClr>
+      <a:schemeClr val="accent4">
+        <a:tint val="40000"/>
+        <a:alpha val="90000"/>
+      </a:schemeClr>
+      <a:schemeClr val="accent5">
+        <a:tint val="40000"/>
+        <a:alpha val="90000"/>
+      </a:schemeClr>
+      <a:schemeClr val="accent6">
+        <a:tint val="40000"/>
+        <a:alpha val="90000"/>
+      </a:schemeClr>
+    </dgm:linClrLst>
+    <dgm:effectClrLst/>
+    <dgm:txLinClrLst/>
+    <dgm:txFillClrLst meth="repeat">
+      <a:schemeClr val="dk1"/>
+    </dgm:txFillClrLst>
+    <dgm:txEffectClrLst/>
+  </dgm:styleLbl>
+  <dgm:styleLbl name="fgAcc0">
+    <dgm:fillClrLst meth="repeat">
+      <a:schemeClr val="lt1">
+        <a:alpha val="90000"/>
+      </a:schemeClr>
+    </dgm:fillClrLst>
+    <dgm:linClrLst>
+      <a:schemeClr val="accent1"/>
+    </dgm:linClrLst>
+    <dgm:effectClrLst/>
+    <dgm:txLinClrLst/>
+    <dgm:txFillClrLst meth="repeat">
+      <a:schemeClr val="dk1"/>
+    </dgm:txFillClrLst>
+    <dgm:txEffectClrLst/>
+  </dgm:styleLbl>
+  <dgm:styleLbl name="fgAcc2">
+    <dgm:fillClrLst meth="repeat">
+      <a:schemeClr val="lt1">
+        <a:alpha val="90000"/>
+      </a:schemeClr>
+    </dgm:fillClrLst>
+    <dgm:linClrLst>
+      <a:schemeClr val="accent2"/>
+    </dgm:linClrLst>
+    <dgm:effectClrLst/>
+    <dgm:txLinClrLst/>
+    <dgm:txFillClrLst meth="repeat">
+      <a:schemeClr val="dk1"/>
+    </dgm:txFillClrLst>
+    <dgm:txEffectClrLst/>
+  </dgm:styleLbl>
+  <dgm:styleLbl name="fgAcc3">
+    <dgm:fillClrLst meth="repeat">
+      <a:schemeClr val="lt1">
+        <a:alpha val="90000"/>
+      </a:schemeClr>
+    </dgm:fillClrLst>
+    <dgm:linClrLst>
+      <a:schemeClr val="accent3"/>
+    </dgm:linClrLst>
+    <dgm:effectClrLst/>
+    <dgm:txLinClrLst/>
+    <dgm:txFillClrLst meth="repeat">
+      <a:schemeClr val="dk1"/>
+    </dgm:txFillClrLst>
+    <dgm:txEffectClrLst/>
+  </dgm:styleLbl>
+  <dgm:styleLbl name="fgAcc4">
+    <dgm:fillClrLst meth="repeat">
+      <a:schemeClr val="lt1">
+        <a:alpha val="90000"/>
+      </a:schemeClr>
+    </dgm:fillClrLst>
+    <dgm:linClrLst>
+      <a:schemeClr val="accent4"/>
+    </dgm:linClrLst>
+    <dgm:effectClrLst/>
+    <dgm:txLinClrLst/>
+    <dgm:txFillClrLst meth="repeat">
+      <a:schemeClr val="dk1"/>
+    </dgm:txFillClrLst>
+    <dgm:txEffectClrLst/>
+  </dgm:styleLbl>
+  <dgm:styleLbl name="bgShp">
+    <dgm:fillClrLst meth="repeat">
+      <a:schemeClr val="accent2">
+        <a:tint val="40000"/>
+      </a:schemeClr>
+    </dgm:fillClrLst>
+    <dgm:linClrLst meth="repeat">
+      <a:schemeClr val="dk1"/>
+    </dgm:linClrLst>
+    <dgm:effectClrLst/>
+    <dgm:txLinClrLst/>
+    <dgm:txFillClrLst meth="repeat">
+      <a:schemeClr val="dk1"/>
+    </dgm:txFillClrLst>
+    <dgm:txEffectClrLst/>
+  </dgm:styleLbl>
+  <dgm:styleLbl name="dkBgShp">
+    <dgm:fillClrLst meth="repeat">
+      <a:schemeClr val="accent2">
+        <a:shade val="90000"/>
+      </a:schemeClr>
+    </dgm:fillClrLst>
+    <dgm:linClrLst meth="repeat">
+      <a:schemeClr val="dk1"/>
+    </dgm:linClrLst>
+    <dgm:effectClrLst/>
+    <dgm:txLinClrLst/>
+    <dgm:txFillClrLst meth="repeat">
+      <a:schemeClr val="lt1"/>
+    </dgm:txFillClrLst>
+    <dgm:txEffectClrLst/>
+  </dgm:styleLbl>
+  <dgm:styleLbl name="trBgShp">
+    <dgm:fillClrLst meth="repeat">
+      <a:schemeClr val="accent1">
+        <a:tint val="50000"/>
+        <a:alpha val="40000"/>
+      </a:schemeClr>
+    </dgm:fillClrLst>
+    <dgm:linClrLst meth="repeat">
+      <a:schemeClr val="accent2"/>
+    </dgm:linClrLst>
+    <dgm:effectClrLst/>
+    <dgm:txLinClrLst/>
+    <dgm:txFillClrLst meth="repeat">
+      <a:schemeClr val="lt1"/>
+    </dgm:txFillClrLst>
+    <dgm:txEffectClrLst/>
+  </dgm:styleLbl>
+  <dgm:styleLbl name="fgShp">
+    <dgm:fillClrLst meth="repeat">
+      <a:schemeClr val="accent2">
+        <a:tint val="40000"/>
+      </a:schemeClr>
+    </dgm:fillClrLst>
+    <dgm:linClrLst meth="repeat">
+      <a:schemeClr val="lt1"/>
+    </dgm:linClrLst>
+    <dgm:effectClrLst/>
+    <dgm:txLinClrLst/>
+    <dgm:txFillClrLst meth="repeat">
+      <a:schemeClr val="dk1"/>
+    </dgm:txFillClrLst>
+    <dgm:txEffectClrLst/>
+  </dgm:styleLbl>
+  <dgm:styleLbl name="revTx">
+    <dgm:fillClrLst meth="repeat">
+      <a:schemeClr val="lt1">
+        <a:alpha val="0"/>
+      </a:schemeClr>
+    </dgm:fillClrLst>
+    <dgm:linClrLst meth="repeat">
+      <a:schemeClr val="dk1">
+        <a:alpha val="0"/>
+      </a:schemeClr>
+    </dgm:linClrLst>
+    <dgm:effectClrLst/>
+    <dgm:txLinClrLst/>
+    <dgm:txFillClrLst meth="repeat">
+      <a:schemeClr val="tx1"/>
+    </dgm:txFillClrLst>
+    <dgm:txEffectClrLst/>
+  </dgm:styleLbl>
+</dgm:colorsDef>
+</file>
+
+<file path=ppt/diagrams/colors3.xml><?xml version="1.0" encoding="utf-8"?>
 <dgm:colorsDef xmlns:dgm="http://schemas.openxmlformats.org/drawingml/2006/diagram" xmlns:a="http://schemas.openxmlformats.org/drawingml/2006/main" uniqueId="urn:microsoft.com/office/officeart/2018/5/colors/Iconchunking_neutralbg_accent4_2">
   <dgm:title val=""/>
   <dgm:desc val=""/>
@@ -2091,6 +3011,461 @@
 </file>
 
 <file path=ppt/diagrams/data2.xml><?xml version="1.0" encoding="utf-8"?>
+<dgm:dataModel xmlns:dgm="http://schemas.openxmlformats.org/drawingml/2006/diagram" xmlns:a="http://schemas.openxmlformats.org/drawingml/2006/main">
+  <dgm:ptLst>
+    <dgm:pt modelId="{4C70E57A-0D23-4244-B6B9-E7F3189F119E}" type="doc">
+      <dgm:prSet loTypeId="urn:microsoft.com/office/officeart/2005/8/layout/list1" loCatId="list" qsTypeId="urn:microsoft.com/office/officeart/2005/8/quickstyle/simple1" qsCatId="simple" csTypeId="urn:microsoft.com/office/officeart/2005/8/colors/colorful1" csCatId="colorful"/>
+      <dgm:spPr/>
+      <dgm:t>
+        <a:bodyPr/>
+        <a:lstStyle/>
+        <a:p>
+          <a:endParaRPr lang="en-US"/>
+        </a:p>
+      </dgm:t>
+    </dgm:pt>
+    <dgm:pt modelId="{1A72913E-DC73-4F7F-A7A3-DA674D97C377}">
+      <dgm:prSet/>
+      <dgm:spPr/>
+      <dgm:t>
+        <a:bodyPr/>
+        <a:lstStyle/>
+        <a:p>
+          <a:r>
+            <a:rPr lang="en-US"/>
+            <a:t>Audiences</a:t>
+          </a:r>
+        </a:p>
+      </dgm:t>
+    </dgm:pt>
+    <dgm:pt modelId="{5F2E0275-6403-4110-B334-B52BDF23DCDF}" type="parTrans" cxnId="{800C1CA6-021A-420D-A426-668D90150C6A}">
+      <dgm:prSet/>
+      <dgm:spPr/>
+      <dgm:t>
+        <a:bodyPr/>
+        <a:lstStyle/>
+        <a:p>
+          <a:endParaRPr lang="en-US"/>
+        </a:p>
+      </dgm:t>
+    </dgm:pt>
+    <dgm:pt modelId="{9CF1944B-83EC-41BB-8E67-65FCC0C93EAF}" type="sibTrans" cxnId="{800C1CA6-021A-420D-A426-668D90150C6A}">
+      <dgm:prSet/>
+      <dgm:spPr/>
+      <dgm:t>
+        <a:bodyPr/>
+        <a:lstStyle/>
+        <a:p>
+          <a:endParaRPr lang="en-US"/>
+        </a:p>
+      </dgm:t>
+    </dgm:pt>
+    <dgm:pt modelId="{0207D725-4937-4D15-AAC5-D9805C16DDAE}">
+      <dgm:prSet/>
+      <dgm:spPr/>
+      <dgm:t>
+        <a:bodyPr/>
+        <a:lstStyle/>
+        <a:p>
+          <a:r>
+            <a:rPr lang="en-US"/>
+            <a:t>Other Businesses</a:t>
+          </a:r>
+        </a:p>
+      </dgm:t>
+    </dgm:pt>
+    <dgm:pt modelId="{DA5876F4-8318-47FD-BDFF-01705AC3C7D1}" type="parTrans" cxnId="{630ACFB3-5129-44F4-89FC-77EB0B6B0B02}">
+      <dgm:prSet/>
+      <dgm:spPr/>
+      <dgm:t>
+        <a:bodyPr/>
+        <a:lstStyle/>
+        <a:p>
+          <a:endParaRPr lang="en-US"/>
+        </a:p>
+      </dgm:t>
+    </dgm:pt>
+    <dgm:pt modelId="{301AE9C5-338D-430E-ABD1-D0A9434F1017}" type="sibTrans" cxnId="{630ACFB3-5129-44F4-89FC-77EB0B6B0B02}">
+      <dgm:prSet/>
+      <dgm:spPr/>
+      <dgm:t>
+        <a:bodyPr/>
+        <a:lstStyle/>
+        <a:p>
+          <a:endParaRPr lang="en-US"/>
+        </a:p>
+      </dgm:t>
+    </dgm:pt>
+    <dgm:pt modelId="{454988D2-5621-4F95-A3D6-25C71C4A3795}">
+      <dgm:prSet/>
+      <dgm:spPr/>
+      <dgm:t>
+        <a:bodyPr/>
+        <a:lstStyle/>
+        <a:p>
+          <a:r>
+            <a:rPr lang="en-US"/>
+            <a:t>Movie Theatre</a:t>
+          </a:r>
+        </a:p>
+      </dgm:t>
+    </dgm:pt>
+    <dgm:pt modelId="{1A7CB821-BB3E-4769-B52C-375E994120CC}" type="parTrans" cxnId="{51163A27-17D0-47AE-AF7A-66ABF2943BEA}">
+      <dgm:prSet/>
+      <dgm:spPr/>
+      <dgm:t>
+        <a:bodyPr/>
+        <a:lstStyle/>
+        <a:p>
+          <a:endParaRPr lang="en-US"/>
+        </a:p>
+      </dgm:t>
+    </dgm:pt>
+    <dgm:pt modelId="{2B65EBF2-9A0A-498C-BB19-F9FFD5C3635D}" type="sibTrans" cxnId="{51163A27-17D0-47AE-AF7A-66ABF2943BEA}">
+      <dgm:prSet/>
+      <dgm:spPr/>
+      <dgm:t>
+        <a:bodyPr/>
+        <a:lstStyle/>
+        <a:p>
+          <a:endParaRPr lang="en-US"/>
+        </a:p>
+      </dgm:t>
+    </dgm:pt>
+    <dgm:pt modelId="{74D7BC84-26BC-4A55-BF39-B6461A7FCC30}">
+      <dgm:prSet/>
+      <dgm:spPr/>
+      <dgm:t>
+        <a:bodyPr/>
+        <a:lstStyle/>
+        <a:p>
+          <a:r>
+            <a:rPr lang="en-US"/>
+            <a:t>Customers</a:t>
+          </a:r>
+        </a:p>
+      </dgm:t>
+    </dgm:pt>
+    <dgm:pt modelId="{6124A2ED-A830-4FA7-BE20-521CEA9A280F}" type="parTrans" cxnId="{E8B3FD4F-02E2-49BB-8152-95FDF6D1AB06}">
+      <dgm:prSet/>
+      <dgm:spPr/>
+      <dgm:t>
+        <a:bodyPr/>
+        <a:lstStyle/>
+        <a:p>
+          <a:endParaRPr lang="en-US"/>
+        </a:p>
+      </dgm:t>
+    </dgm:pt>
+    <dgm:pt modelId="{6A521C8F-564E-47E9-A6F3-D3D023F2D119}" type="sibTrans" cxnId="{E8B3FD4F-02E2-49BB-8152-95FDF6D1AB06}">
+      <dgm:prSet/>
+      <dgm:spPr/>
+      <dgm:t>
+        <a:bodyPr/>
+        <a:lstStyle/>
+        <a:p>
+          <a:endParaRPr lang="en-US"/>
+        </a:p>
+      </dgm:t>
+    </dgm:pt>
+    <dgm:pt modelId="{637AE03B-40EF-48F1-B1FB-07CFD60432E5}">
+      <dgm:prSet/>
+      <dgm:spPr/>
+      <dgm:t>
+        <a:bodyPr/>
+        <a:lstStyle/>
+        <a:p>
+          <a:r>
+            <a:rPr lang="en-US"/>
+            <a:t>Entry Level Employees</a:t>
+          </a:r>
+        </a:p>
+      </dgm:t>
+    </dgm:pt>
+    <dgm:pt modelId="{C1862250-B630-4D90-A426-77A3B8C31E73}" type="parTrans" cxnId="{A719AB62-74F5-4BF1-8AB7-BF7D921E2430}">
+      <dgm:prSet/>
+      <dgm:spPr/>
+      <dgm:t>
+        <a:bodyPr/>
+        <a:lstStyle/>
+        <a:p>
+          <a:endParaRPr lang="en-US"/>
+        </a:p>
+      </dgm:t>
+    </dgm:pt>
+    <dgm:pt modelId="{9ABFB8C6-1EC6-4A8B-AB41-24AD2CFFE65E}" type="sibTrans" cxnId="{A719AB62-74F5-4BF1-8AB7-BF7D921E2430}">
+      <dgm:prSet/>
+      <dgm:spPr/>
+      <dgm:t>
+        <a:bodyPr/>
+        <a:lstStyle/>
+        <a:p>
+          <a:endParaRPr lang="en-US"/>
+        </a:p>
+      </dgm:t>
+    </dgm:pt>
+    <dgm:pt modelId="{2B029106-ED3F-472F-B705-2DA7417F64B0}">
+      <dgm:prSet/>
+      <dgm:spPr/>
+      <dgm:t>
+        <a:bodyPr/>
+        <a:lstStyle/>
+        <a:p>
+          <a:r>
+            <a:rPr lang="en-US"/>
+            <a:t>Large Theatres</a:t>
+          </a:r>
+        </a:p>
+      </dgm:t>
+    </dgm:pt>
+    <dgm:pt modelId="{49B0DD1E-4802-4D8C-B7B1-C65A89E5A761}" type="parTrans" cxnId="{47FF60F1-CB7D-40E2-911A-F06585BFD086}">
+      <dgm:prSet/>
+      <dgm:spPr/>
+      <dgm:t>
+        <a:bodyPr/>
+        <a:lstStyle/>
+        <a:p>
+          <a:endParaRPr lang="en-US"/>
+        </a:p>
+      </dgm:t>
+    </dgm:pt>
+    <dgm:pt modelId="{D64BEF42-FCE0-4228-954E-FE8EAC340600}" type="sibTrans" cxnId="{47FF60F1-CB7D-40E2-911A-F06585BFD086}">
+      <dgm:prSet/>
+      <dgm:spPr/>
+      <dgm:t>
+        <a:bodyPr/>
+        <a:lstStyle/>
+        <a:p>
+          <a:endParaRPr lang="en-US"/>
+        </a:p>
+      </dgm:t>
+    </dgm:pt>
+    <dgm:pt modelId="{DCC83B9C-8521-4ED8-AD14-B57DF8129BA8}">
+      <dgm:prSet/>
+      <dgm:spPr/>
+      <dgm:t>
+        <a:bodyPr/>
+        <a:lstStyle/>
+        <a:p>
+          <a:r>
+            <a:rPr lang="en-US"/>
+            <a:t>Other Uses</a:t>
+          </a:r>
+        </a:p>
+      </dgm:t>
+    </dgm:pt>
+    <dgm:pt modelId="{CF90E401-FBBE-4B37-AC19-109E32A762CE}" type="parTrans" cxnId="{7529A119-FC23-492F-ADFE-560B13335A83}">
+      <dgm:prSet/>
+      <dgm:spPr/>
+      <dgm:t>
+        <a:bodyPr/>
+        <a:lstStyle/>
+        <a:p>
+          <a:endParaRPr lang="en-US"/>
+        </a:p>
+      </dgm:t>
+    </dgm:pt>
+    <dgm:pt modelId="{31C1B54C-A7A6-4042-A946-ADD743F5A08D}" type="sibTrans" cxnId="{7529A119-FC23-492F-ADFE-560B13335A83}">
+      <dgm:prSet/>
+      <dgm:spPr/>
+      <dgm:t>
+        <a:bodyPr/>
+        <a:lstStyle/>
+        <a:p>
+          <a:endParaRPr lang="en-US"/>
+        </a:p>
+      </dgm:t>
+    </dgm:pt>
+    <dgm:pt modelId="{BB781CD4-06AC-42A8-80B6-A0CEDCE9943A}">
+      <dgm:prSet/>
+      <dgm:spPr/>
+      <dgm:t>
+        <a:bodyPr/>
+        <a:lstStyle/>
+        <a:p>
+          <a:r>
+            <a:rPr lang="en-US"/>
+            <a:t>Concession Sales</a:t>
+          </a:r>
+        </a:p>
+      </dgm:t>
+    </dgm:pt>
+    <dgm:pt modelId="{5784E009-2255-4594-A1D8-55F2FEFE82FB}" type="parTrans" cxnId="{AAD080BF-9A64-4F9A-8F8E-5112990D2ECA}">
+      <dgm:prSet/>
+      <dgm:spPr/>
+      <dgm:t>
+        <a:bodyPr/>
+        <a:lstStyle/>
+        <a:p>
+          <a:endParaRPr lang="en-US"/>
+        </a:p>
+      </dgm:t>
+    </dgm:pt>
+    <dgm:pt modelId="{BE2B3C69-50D0-4448-A270-561064ABD605}" type="sibTrans" cxnId="{AAD080BF-9A64-4F9A-8F8E-5112990D2ECA}">
+      <dgm:prSet/>
+      <dgm:spPr/>
+      <dgm:t>
+        <a:bodyPr/>
+        <a:lstStyle/>
+        <a:p>
+          <a:endParaRPr lang="en-US"/>
+        </a:p>
+      </dgm:t>
+    </dgm:pt>
+    <dgm:pt modelId="{E60FA58F-3B88-4547-95B7-A364CAAF9570}">
+      <dgm:prSet/>
+      <dgm:spPr/>
+      <dgm:t>
+        <a:bodyPr/>
+        <a:lstStyle/>
+        <a:p>
+          <a:r>
+            <a:rPr lang="en-US"/>
+            <a:t>Ticket sales data from other theatres</a:t>
+          </a:r>
+        </a:p>
+      </dgm:t>
+    </dgm:pt>
+    <dgm:pt modelId="{65525A8E-5DC4-4C27-A590-6221F248FC8D}" type="parTrans" cxnId="{BE2F0DE9-9D65-471C-A453-501444785669}">
+      <dgm:prSet/>
+      <dgm:spPr/>
+      <dgm:t>
+        <a:bodyPr/>
+        <a:lstStyle/>
+        <a:p>
+          <a:endParaRPr lang="en-US"/>
+        </a:p>
+      </dgm:t>
+    </dgm:pt>
+    <dgm:pt modelId="{AEA78556-16FC-4A87-A696-52ECD47213FA}" type="sibTrans" cxnId="{BE2F0DE9-9D65-471C-A453-501444785669}">
+      <dgm:prSet/>
+      <dgm:spPr/>
+      <dgm:t>
+        <a:bodyPr/>
+        <a:lstStyle/>
+        <a:p>
+          <a:endParaRPr lang="en-US"/>
+        </a:p>
+      </dgm:t>
+    </dgm:pt>
+    <dgm:pt modelId="{4A1C7AE8-D753-4162-B155-418B65C779BA}" type="pres">
+      <dgm:prSet presAssocID="{4C70E57A-0D23-4244-B6B9-E7F3189F119E}" presName="linear" presStyleCnt="0">
+        <dgm:presLayoutVars>
+          <dgm:dir/>
+          <dgm:animLvl val="lvl"/>
+          <dgm:resizeHandles val="exact"/>
+        </dgm:presLayoutVars>
+      </dgm:prSet>
+      <dgm:spPr/>
+    </dgm:pt>
+    <dgm:pt modelId="{BA7D6109-E8E2-4872-B869-8F6A74C7711D}" type="pres">
+      <dgm:prSet presAssocID="{1A72913E-DC73-4F7F-A7A3-DA674D97C377}" presName="parentLin" presStyleCnt="0"/>
+      <dgm:spPr/>
+    </dgm:pt>
+    <dgm:pt modelId="{F5C92DC9-29CE-4416-9272-AF9D3D6CE72B}" type="pres">
+      <dgm:prSet presAssocID="{1A72913E-DC73-4F7F-A7A3-DA674D97C377}" presName="parentLeftMargin" presStyleLbl="node1" presStyleIdx="0" presStyleCnt="2"/>
+      <dgm:spPr/>
+    </dgm:pt>
+    <dgm:pt modelId="{B2FB8EBF-805C-41DC-8CFB-5FEA905C98FD}" type="pres">
+      <dgm:prSet presAssocID="{1A72913E-DC73-4F7F-A7A3-DA674D97C377}" presName="parentText" presStyleLbl="node1" presStyleIdx="0" presStyleCnt="2">
+        <dgm:presLayoutVars>
+          <dgm:chMax val="0"/>
+          <dgm:bulletEnabled val="1"/>
+        </dgm:presLayoutVars>
+      </dgm:prSet>
+      <dgm:spPr/>
+    </dgm:pt>
+    <dgm:pt modelId="{A19570EC-5757-4F79-B832-C3F6139B5255}" type="pres">
+      <dgm:prSet presAssocID="{1A72913E-DC73-4F7F-A7A3-DA674D97C377}" presName="negativeSpace" presStyleCnt="0"/>
+      <dgm:spPr/>
+    </dgm:pt>
+    <dgm:pt modelId="{FE167E34-AAB8-4B2D-B862-C2B991B48CC4}" type="pres">
+      <dgm:prSet presAssocID="{1A72913E-DC73-4F7F-A7A3-DA674D97C377}" presName="childText" presStyleLbl="conFgAcc1" presStyleIdx="0" presStyleCnt="2">
+        <dgm:presLayoutVars>
+          <dgm:bulletEnabled val="1"/>
+        </dgm:presLayoutVars>
+      </dgm:prSet>
+      <dgm:spPr/>
+    </dgm:pt>
+    <dgm:pt modelId="{211BE079-7A2A-4A22-A11F-C0529B4EBFDE}" type="pres">
+      <dgm:prSet presAssocID="{9CF1944B-83EC-41BB-8E67-65FCC0C93EAF}" presName="spaceBetweenRectangles" presStyleCnt="0"/>
+      <dgm:spPr/>
+    </dgm:pt>
+    <dgm:pt modelId="{E258A1E0-BB32-42E8-9B86-D90D17543EBF}" type="pres">
+      <dgm:prSet presAssocID="{DCC83B9C-8521-4ED8-AD14-B57DF8129BA8}" presName="parentLin" presStyleCnt="0"/>
+      <dgm:spPr/>
+    </dgm:pt>
+    <dgm:pt modelId="{089756D5-1C0E-4A89-8960-ABAF8B1AABDB}" type="pres">
+      <dgm:prSet presAssocID="{DCC83B9C-8521-4ED8-AD14-B57DF8129BA8}" presName="parentLeftMargin" presStyleLbl="node1" presStyleIdx="0" presStyleCnt="2"/>
+      <dgm:spPr/>
+    </dgm:pt>
+    <dgm:pt modelId="{90DD5478-DBAE-4B82-8D1C-F57AA9B7C777}" type="pres">
+      <dgm:prSet presAssocID="{DCC83B9C-8521-4ED8-AD14-B57DF8129BA8}" presName="parentText" presStyleLbl="node1" presStyleIdx="1" presStyleCnt="2">
+        <dgm:presLayoutVars>
+          <dgm:chMax val="0"/>
+          <dgm:bulletEnabled val="1"/>
+        </dgm:presLayoutVars>
+      </dgm:prSet>
+      <dgm:spPr/>
+    </dgm:pt>
+    <dgm:pt modelId="{56240E53-3887-4F21-863D-95874A1584A0}" type="pres">
+      <dgm:prSet presAssocID="{DCC83B9C-8521-4ED8-AD14-B57DF8129BA8}" presName="negativeSpace" presStyleCnt="0"/>
+      <dgm:spPr/>
+    </dgm:pt>
+    <dgm:pt modelId="{1A4D45AD-F19B-4FEF-BD44-AFA7DB8E84CC}" type="pres">
+      <dgm:prSet presAssocID="{DCC83B9C-8521-4ED8-AD14-B57DF8129BA8}" presName="childText" presStyleLbl="conFgAcc1" presStyleIdx="1" presStyleCnt="2">
+        <dgm:presLayoutVars>
+          <dgm:bulletEnabled val="1"/>
+        </dgm:presLayoutVars>
+      </dgm:prSet>
+      <dgm:spPr/>
+    </dgm:pt>
+  </dgm:ptLst>
+  <dgm:cxnLst>
+    <dgm:cxn modelId="{9ADF2F04-956A-4C24-BE47-997255643D8F}" type="presOf" srcId="{637AE03B-40EF-48F1-B1FB-07CFD60432E5}" destId="{FE167E34-AAB8-4B2D-B862-C2B991B48CC4}" srcOrd="0" destOrd="3" presId="urn:microsoft.com/office/officeart/2005/8/layout/list1"/>
+    <dgm:cxn modelId="{4B62F013-5DB6-46A4-B63D-F03A815B784E}" type="presOf" srcId="{DCC83B9C-8521-4ED8-AD14-B57DF8129BA8}" destId="{089756D5-1C0E-4A89-8960-ABAF8B1AABDB}" srcOrd="0" destOrd="0" presId="urn:microsoft.com/office/officeart/2005/8/layout/list1"/>
+    <dgm:cxn modelId="{7529A119-FC23-492F-ADFE-560B13335A83}" srcId="{4C70E57A-0D23-4244-B6B9-E7F3189F119E}" destId="{DCC83B9C-8521-4ED8-AD14-B57DF8129BA8}" srcOrd="1" destOrd="0" parTransId="{CF90E401-FBBE-4B37-AC19-109E32A762CE}" sibTransId="{31C1B54C-A7A6-4042-A946-ADD743F5A08D}"/>
+    <dgm:cxn modelId="{14F4691E-501A-432B-B630-E8A85AB99A6C}" type="presOf" srcId="{2B029106-ED3F-472F-B705-2DA7417F64B0}" destId="{FE167E34-AAB8-4B2D-B862-C2B991B48CC4}" srcOrd="0" destOrd="4" presId="urn:microsoft.com/office/officeart/2005/8/layout/list1"/>
+    <dgm:cxn modelId="{51163A27-17D0-47AE-AF7A-66ABF2943BEA}" srcId="{1A72913E-DC73-4F7F-A7A3-DA674D97C377}" destId="{454988D2-5621-4F95-A3D6-25C71C4A3795}" srcOrd="1" destOrd="0" parTransId="{1A7CB821-BB3E-4769-B52C-375E994120CC}" sibTransId="{2B65EBF2-9A0A-498C-BB19-F9FFD5C3635D}"/>
+    <dgm:cxn modelId="{A719AB62-74F5-4BF1-8AB7-BF7D921E2430}" srcId="{454988D2-5621-4F95-A3D6-25C71C4A3795}" destId="{637AE03B-40EF-48F1-B1FB-07CFD60432E5}" srcOrd="1" destOrd="0" parTransId="{C1862250-B630-4D90-A426-77A3B8C31E73}" sibTransId="{9ABFB8C6-1EC6-4A8B-AB41-24AD2CFFE65E}"/>
+    <dgm:cxn modelId="{E8B3FD4F-02E2-49BB-8152-95FDF6D1AB06}" srcId="{454988D2-5621-4F95-A3D6-25C71C4A3795}" destId="{74D7BC84-26BC-4A55-BF39-B6461A7FCC30}" srcOrd="0" destOrd="0" parTransId="{6124A2ED-A830-4FA7-BE20-521CEA9A280F}" sibTransId="{6A521C8F-564E-47E9-A6F3-D3D023F2D119}"/>
+    <dgm:cxn modelId="{17927D51-8586-4D1C-91C3-49B80C701BF4}" type="presOf" srcId="{1A72913E-DC73-4F7F-A7A3-DA674D97C377}" destId="{F5C92DC9-29CE-4416-9272-AF9D3D6CE72B}" srcOrd="0" destOrd="0" presId="urn:microsoft.com/office/officeart/2005/8/layout/list1"/>
+    <dgm:cxn modelId="{A0B01079-10DF-4A75-9437-2666289076B7}" type="presOf" srcId="{E60FA58F-3B88-4547-95B7-A364CAAF9570}" destId="{1A4D45AD-F19B-4FEF-BD44-AFA7DB8E84CC}" srcOrd="0" destOrd="1" presId="urn:microsoft.com/office/officeart/2005/8/layout/list1"/>
+    <dgm:cxn modelId="{E98F7D7C-81C1-42E0-9F43-134E707A2805}" type="presOf" srcId="{DCC83B9C-8521-4ED8-AD14-B57DF8129BA8}" destId="{90DD5478-DBAE-4B82-8D1C-F57AA9B7C777}" srcOrd="1" destOrd="0" presId="urn:microsoft.com/office/officeart/2005/8/layout/list1"/>
+    <dgm:cxn modelId="{800C1CA6-021A-420D-A426-668D90150C6A}" srcId="{4C70E57A-0D23-4244-B6B9-E7F3189F119E}" destId="{1A72913E-DC73-4F7F-A7A3-DA674D97C377}" srcOrd="0" destOrd="0" parTransId="{5F2E0275-6403-4110-B334-B52BDF23DCDF}" sibTransId="{9CF1944B-83EC-41BB-8E67-65FCC0C93EAF}"/>
+    <dgm:cxn modelId="{02D7B1A7-5294-4D41-B27D-01A76C327868}" type="presOf" srcId="{0207D725-4937-4D15-AAC5-D9805C16DDAE}" destId="{FE167E34-AAB8-4B2D-B862-C2B991B48CC4}" srcOrd="0" destOrd="0" presId="urn:microsoft.com/office/officeart/2005/8/layout/list1"/>
+    <dgm:cxn modelId="{630ACFB3-5129-44F4-89FC-77EB0B6B0B02}" srcId="{1A72913E-DC73-4F7F-A7A3-DA674D97C377}" destId="{0207D725-4937-4D15-AAC5-D9805C16DDAE}" srcOrd="0" destOrd="0" parTransId="{DA5876F4-8318-47FD-BDFF-01705AC3C7D1}" sibTransId="{301AE9C5-338D-430E-ABD1-D0A9434F1017}"/>
+    <dgm:cxn modelId="{AAD080BF-9A64-4F9A-8F8E-5112990D2ECA}" srcId="{DCC83B9C-8521-4ED8-AD14-B57DF8129BA8}" destId="{BB781CD4-06AC-42A8-80B6-A0CEDCE9943A}" srcOrd="0" destOrd="0" parTransId="{5784E009-2255-4594-A1D8-55F2FEFE82FB}" sibTransId="{BE2B3C69-50D0-4448-A270-561064ABD605}"/>
+    <dgm:cxn modelId="{FB9850C0-B566-4D13-8C4C-E43EFE18F215}" type="presOf" srcId="{1A72913E-DC73-4F7F-A7A3-DA674D97C377}" destId="{B2FB8EBF-805C-41DC-8CFB-5FEA905C98FD}" srcOrd="1" destOrd="0" presId="urn:microsoft.com/office/officeart/2005/8/layout/list1"/>
+    <dgm:cxn modelId="{D8EC27CB-23AB-4C0D-8CA2-5B04576BAC86}" type="presOf" srcId="{4C70E57A-0D23-4244-B6B9-E7F3189F119E}" destId="{4A1C7AE8-D753-4162-B155-418B65C779BA}" srcOrd="0" destOrd="0" presId="urn:microsoft.com/office/officeart/2005/8/layout/list1"/>
+    <dgm:cxn modelId="{5C711CD1-09A2-4B43-BD60-0D7649DD544E}" type="presOf" srcId="{BB781CD4-06AC-42A8-80B6-A0CEDCE9943A}" destId="{1A4D45AD-F19B-4FEF-BD44-AFA7DB8E84CC}" srcOrd="0" destOrd="0" presId="urn:microsoft.com/office/officeart/2005/8/layout/list1"/>
+    <dgm:cxn modelId="{BE2F0DE9-9D65-471C-A453-501444785669}" srcId="{DCC83B9C-8521-4ED8-AD14-B57DF8129BA8}" destId="{E60FA58F-3B88-4547-95B7-A364CAAF9570}" srcOrd="1" destOrd="0" parTransId="{65525A8E-5DC4-4C27-A590-6221F248FC8D}" sibTransId="{AEA78556-16FC-4A87-A696-52ECD47213FA}"/>
+    <dgm:cxn modelId="{47FF60F1-CB7D-40E2-911A-F06585BFD086}" srcId="{454988D2-5621-4F95-A3D6-25C71C4A3795}" destId="{2B029106-ED3F-472F-B705-2DA7417F64B0}" srcOrd="2" destOrd="0" parTransId="{49B0DD1E-4802-4D8C-B7B1-C65A89E5A761}" sibTransId="{D64BEF42-FCE0-4228-954E-FE8EAC340600}"/>
+    <dgm:cxn modelId="{4571BCF2-CC8F-48A5-BA39-789C1E03F5C5}" type="presOf" srcId="{74D7BC84-26BC-4A55-BF39-B6461A7FCC30}" destId="{FE167E34-AAB8-4B2D-B862-C2B991B48CC4}" srcOrd="0" destOrd="2" presId="urn:microsoft.com/office/officeart/2005/8/layout/list1"/>
+    <dgm:cxn modelId="{3437E6F6-79F1-4C66-8B41-8B7391E2E17D}" type="presOf" srcId="{454988D2-5621-4F95-A3D6-25C71C4A3795}" destId="{FE167E34-AAB8-4B2D-B862-C2B991B48CC4}" srcOrd="0" destOrd="1" presId="urn:microsoft.com/office/officeart/2005/8/layout/list1"/>
+    <dgm:cxn modelId="{9FB8BC39-4556-4431-A56B-EF5A7695E1B4}" type="presParOf" srcId="{4A1C7AE8-D753-4162-B155-418B65C779BA}" destId="{BA7D6109-E8E2-4872-B869-8F6A74C7711D}" srcOrd="0" destOrd="0" presId="urn:microsoft.com/office/officeart/2005/8/layout/list1"/>
+    <dgm:cxn modelId="{05702832-8017-4D6F-A937-4742471701E0}" type="presParOf" srcId="{BA7D6109-E8E2-4872-B869-8F6A74C7711D}" destId="{F5C92DC9-29CE-4416-9272-AF9D3D6CE72B}" srcOrd="0" destOrd="0" presId="urn:microsoft.com/office/officeart/2005/8/layout/list1"/>
+    <dgm:cxn modelId="{A44AAE14-129D-455B-A8D3-45B5E4D095FD}" type="presParOf" srcId="{BA7D6109-E8E2-4872-B869-8F6A74C7711D}" destId="{B2FB8EBF-805C-41DC-8CFB-5FEA905C98FD}" srcOrd="1" destOrd="0" presId="urn:microsoft.com/office/officeart/2005/8/layout/list1"/>
+    <dgm:cxn modelId="{F3C5214A-FEBC-4846-815B-C1563B6FE1C2}" type="presParOf" srcId="{4A1C7AE8-D753-4162-B155-418B65C779BA}" destId="{A19570EC-5757-4F79-B832-C3F6139B5255}" srcOrd="1" destOrd="0" presId="urn:microsoft.com/office/officeart/2005/8/layout/list1"/>
+    <dgm:cxn modelId="{FFCD37B6-C57C-42B8-A400-2B9253F88170}" type="presParOf" srcId="{4A1C7AE8-D753-4162-B155-418B65C779BA}" destId="{FE167E34-AAB8-4B2D-B862-C2B991B48CC4}" srcOrd="2" destOrd="0" presId="urn:microsoft.com/office/officeart/2005/8/layout/list1"/>
+    <dgm:cxn modelId="{B50F15EB-FD38-43CE-A992-5C53B51C55AB}" type="presParOf" srcId="{4A1C7AE8-D753-4162-B155-418B65C779BA}" destId="{211BE079-7A2A-4A22-A11F-C0529B4EBFDE}" srcOrd="3" destOrd="0" presId="urn:microsoft.com/office/officeart/2005/8/layout/list1"/>
+    <dgm:cxn modelId="{41ED737E-330A-4471-B5EC-700E78DB4258}" type="presParOf" srcId="{4A1C7AE8-D753-4162-B155-418B65C779BA}" destId="{E258A1E0-BB32-42E8-9B86-D90D17543EBF}" srcOrd="4" destOrd="0" presId="urn:microsoft.com/office/officeart/2005/8/layout/list1"/>
+    <dgm:cxn modelId="{1FEC6A3C-6E25-43B1-BA38-BACFC16A199C}" type="presParOf" srcId="{E258A1E0-BB32-42E8-9B86-D90D17543EBF}" destId="{089756D5-1C0E-4A89-8960-ABAF8B1AABDB}" srcOrd="0" destOrd="0" presId="urn:microsoft.com/office/officeart/2005/8/layout/list1"/>
+    <dgm:cxn modelId="{519CAC1D-D3B7-49D7-9745-D0C2DA42C974}" type="presParOf" srcId="{E258A1E0-BB32-42E8-9B86-D90D17543EBF}" destId="{90DD5478-DBAE-4B82-8D1C-F57AA9B7C777}" srcOrd="1" destOrd="0" presId="urn:microsoft.com/office/officeart/2005/8/layout/list1"/>
+    <dgm:cxn modelId="{B2747AE1-E8DD-474F-8BA4-596CE4880B83}" type="presParOf" srcId="{4A1C7AE8-D753-4162-B155-418B65C779BA}" destId="{56240E53-3887-4F21-863D-95874A1584A0}" srcOrd="5" destOrd="0" presId="urn:microsoft.com/office/officeart/2005/8/layout/list1"/>
+    <dgm:cxn modelId="{D48350BD-094C-479B-AC11-B6BB34AA01A4}" type="presParOf" srcId="{4A1C7AE8-D753-4162-B155-418B65C779BA}" destId="{1A4D45AD-F19B-4FEF-BD44-AFA7DB8E84CC}" srcOrd="6" destOrd="0" presId="urn:microsoft.com/office/officeart/2005/8/layout/list1"/>
+  </dgm:cxnLst>
+  <dgm:bg/>
+  <dgm:whole/>
+  <dgm:extLst>
+    <a:ext uri="http://schemas.microsoft.com/office/drawing/2008/diagram">
+      <dsp:dataModelExt xmlns:dsp="http://schemas.microsoft.com/office/drawing/2008/diagram" relId="rId7" minVer="http://schemas.openxmlformats.org/drawingml/2006/diagram"/>
+    </a:ext>
+  </dgm:extLst>
+</dgm:dataModel>
+</file>
+
+<file path=ppt/diagrams/data3.xml><?xml version="1.0" encoding="utf-8"?>
 <dgm:dataModel xmlns:dgm="http://schemas.openxmlformats.org/drawingml/2006/diagram" xmlns:a="http://schemas.openxmlformats.org/drawingml/2006/main">
   <dgm:ptLst>
     <dgm:pt modelId="{24A4E3AE-BFC5-4C3A-8A97-EAD15BB14523}" type="doc">
@@ -2707,6 +4082,414 @@
       <dsp:cNvGrpSpPr/>
     </dsp:nvGrpSpPr>
     <dsp:grpSpPr/>
+    <dsp:sp modelId="{FE167E34-AAB8-4B2D-B862-C2B991B48CC4}">
+      <dsp:nvSpPr>
+        <dsp:cNvPr id="0" name=""/>
+        <dsp:cNvSpPr/>
+      </dsp:nvSpPr>
+      <dsp:spPr>
+        <a:xfrm>
+          <a:off x="0" y="536191"/>
+          <a:ext cx="5741533" cy="2570400"/>
+        </a:xfrm>
+        <a:prstGeom prst="rect">
+          <a:avLst/>
+        </a:prstGeom>
+        <a:solidFill>
+          <a:schemeClr val="lt1">
+            <a:alpha val="90000"/>
+            <a:hueOff val="0"/>
+            <a:satOff val="0"/>
+            <a:lumOff val="0"/>
+            <a:alphaOff val="0"/>
+          </a:schemeClr>
+        </a:solidFill>
+        <a:ln w="19050" cap="rnd" cmpd="sng" algn="ctr">
+          <a:solidFill>
+            <a:schemeClr val="accent2">
+              <a:hueOff val="0"/>
+              <a:satOff val="0"/>
+              <a:lumOff val="0"/>
+              <a:alphaOff val="0"/>
+            </a:schemeClr>
+          </a:solidFill>
+          <a:prstDash val="solid"/>
+        </a:ln>
+        <a:effectLst/>
+      </dsp:spPr>
+      <dsp:style>
+        <a:lnRef idx="2">
+          <a:scrgbClr r="0" g="0" b="0"/>
+        </a:lnRef>
+        <a:fillRef idx="1">
+          <a:scrgbClr r="0" g="0" b="0"/>
+        </a:fillRef>
+        <a:effectRef idx="0">
+          <a:scrgbClr r="0" g="0" b="0"/>
+        </a:effectRef>
+        <a:fontRef idx="minor"/>
+      </dsp:style>
+      <dsp:txBody>
+        <a:bodyPr spcFirstLastPara="0" vert="horz" wrap="square" lIns="445607" tIns="499872" rIns="445607" bIns="170688" numCol="1" spcCol="1270" anchor="t" anchorCtr="0">
+          <a:noAutofit/>
+        </a:bodyPr>
+        <a:lstStyle/>
+        <a:p>
+          <a:pPr marL="228600" lvl="1" indent="-228600" algn="l" defTabSz="1066800">
+            <a:lnSpc>
+              <a:spcPct val="90000"/>
+            </a:lnSpc>
+            <a:spcBef>
+              <a:spcPct val="0"/>
+            </a:spcBef>
+            <a:spcAft>
+              <a:spcPct val="15000"/>
+            </a:spcAft>
+            <a:buChar char="•"/>
+          </a:pPr>
+          <a:r>
+            <a:rPr lang="en-US" sz="2400" kern="1200"/>
+            <a:t>Other Businesses</a:t>
+          </a:r>
+        </a:p>
+        <a:p>
+          <a:pPr marL="228600" lvl="1" indent="-228600" algn="l" defTabSz="1066800">
+            <a:lnSpc>
+              <a:spcPct val="90000"/>
+            </a:lnSpc>
+            <a:spcBef>
+              <a:spcPct val="0"/>
+            </a:spcBef>
+            <a:spcAft>
+              <a:spcPct val="15000"/>
+            </a:spcAft>
+            <a:buChar char="•"/>
+          </a:pPr>
+          <a:r>
+            <a:rPr lang="en-US" sz="2400" kern="1200"/>
+            <a:t>Movie Theatre</a:t>
+          </a:r>
+        </a:p>
+        <a:p>
+          <a:pPr marL="457200" lvl="2" indent="-228600" algn="l" defTabSz="1066800">
+            <a:lnSpc>
+              <a:spcPct val="90000"/>
+            </a:lnSpc>
+            <a:spcBef>
+              <a:spcPct val="0"/>
+            </a:spcBef>
+            <a:spcAft>
+              <a:spcPct val="15000"/>
+            </a:spcAft>
+            <a:buChar char="•"/>
+          </a:pPr>
+          <a:r>
+            <a:rPr lang="en-US" sz="2400" kern="1200"/>
+            <a:t>Customers</a:t>
+          </a:r>
+        </a:p>
+        <a:p>
+          <a:pPr marL="457200" lvl="2" indent="-228600" algn="l" defTabSz="1066800">
+            <a:lnSpc>
+              <a:spcPct val="90000"/>
+            </a:lnSpc>
+            <a:spcBef>
+              <a:spcPct val="0"/>
+            </a:spcBef>
+            <a:spcAft>
+              <a:spcPct val="15000"/>
+            </a:spcAft>
+            <a:buChar char="•"/>
+          </a:pPr>
+          <a:r>
+            <a:rPr lang="en-US" sz="2400" kern="1200"/>
+            <a:t>Entry Level Employees</a:t>
+          </a:r>
+        </a:p>
+        <a:p>
+          <a:pPr marL="457200" lvl="2" indent="-228600" algn="l" defTabSz="1066800">
+            <a:lnSpc>
+              <a:spcPct val="90000"/>
+            </a:lnSpc>
+            <a:spcBef>
+              <a:spcPct val="0"/>
+            </a:spcBef>
+            <a:spcAft>
+              <a:spcPct val="15000"/>
+            </a:spcAft>
+            <a:buChar char="•"/>
+          </a:pPr>
+          <a:r>
+            <a:rPr lang="en-US" sz="2400" kern="1200"/>
+            <a:t>Large Theatres</a:t>
+          </a:r>
+        </a:p>
+      </dsp:txBody>
+      <dsp:txXfrm>
+        <a:off x="0" y="536191"/>
+        <a:ext cx="5741533" cy="2570400"/>
+      </dsp:txXfrm>
+    </dsp:sp>
+    <dsp:sp modelId="{B2FB8EBF-805C-41DC-8CFB-5FEA905C98FD}">
+      <dsp:nvSpPr>
+        <dsp:cNvPr id="0" name=""/>
+        <dsp:cNvSpPr/>
+      </dsp:nvSpPr>
+      <dsp:spPr>
+        <a:xfrm>
+          <a:off x="287076" y="181951"/>
+          <a:ext cx="4019073" cy="708480"/>
+        </a:xfrm>
+        <a:prstGeom prst="roundRect">
+          <a:avLst/>
+        </a:prstGeom>
+        <a:solidFill>
+          <a:schemeClr val="accent2">
+            <a:hueOff val="0"/>
+            <a:satOff val="0"/>
+            <a:lumOff val="0"/>
+            <a:alphaOff val="0"/>
+          </a:schemeClr>
+        </a:solidFill>
+        <a:ln w="19050" cap="rnd" cmpd="sng" algn="ctr">
+          <a:solidFill>
+            <a:schemeClr val="lt1">
+              <a:hueOff val="0"/>
+              <a:satOff val="0"/>
+              <a:lumOff val="0"/>
+              <a:alphaOff val="0"/>
+            </a:schemeClr>
+          </a:solidFill>
+          <a:prstDash val="solid"/>
+        </a:ln>
+        <a:effectLst/>
+      </dsp:spPr>
+      <dsp:style>
+        <a:lnRef idx="2">
+          <a:scrgbClr r="0" g="0" b="0"/>
+        </a:lnRef>
+        <a:fillRef idx="1">
+          <a:scrgbClr r="0" g="0" b="0"/>
+        </a:fillRef>
+        <a:effectRef idx="0">
+          <a:scrgbClr r="0" g="0" b="0"/>
+        </a:effectRef>
+        <a:fontRef idx="minor">
+          <a:schemeClr val="lt1"/>
+        </a:fontRef>
+      </dsp:style>
+      <dsp:txBody>
+        <a:bodyPr spcFirstLastPara="0" vert="horz" wrap="square" lIns="151911" tIns="0" rIns="151911" bIns="0" numCol="1" spcCol="1270" anchor="ctr" anchorCtr="0">
+          <a:noAutofit/>
+        </a:bodyPr>
+        <a:lstStyle/>
+        <a:p>
+          <a:pPr marL="0" lvl="0" indent="0" algn="l" defTabSz="1066800">
+            <a:lnSpc>
+              <a:spcPct val="90000"/>
+            </a:lnSpc>
+            <a:spcBef>
+              <a:spcPct val="0"/>
+            </a:spcBef>
+            <a:spcAft>
+              <a:spcPct val="35000"/>
+            </a:spcAft>
+            <a:buNone/>
+          </a:pPr>
+          <a:r>
+            <a:rPr lang="en-US" sz="2400" kern="1200"/>
+            <a:t>Audiences</a:t>
+          </a:r>
+        </a:p>
+      </dsp:txBody>
+      <dsp:txXfrm>
+        <a:off x="321661" y="216536"/>
+        <a:ext cx="3949903" cy="639310"/>
+      </dsp:txXfrm>
+    </dsp:sp>
+    <dsp:sp modelId="{1A4D45AD-F19B-4FEF-BD44-AFA7DB8E84CC}">
+      <dsp:nvSpPr>
+        <dsp:cNvPr id="0" name=""/>
+        <dsp:cNvSpPr/>
+      </dsp:nvSpPr>
+      <dsp:spPr>
+        <a:xfrm>
+          <a:off x="0" y="3590431"/>
+          <a:ext cx="5741533" cy="1398600"/>
+        </a:xfrm>
+        <a:prstGeom prst="rect">
+          <a:avLst/>
+        </a:prstGeom>
+        <a:solidFill>
+          <a:schemeClr val="lt1">
+            <a:alpha val="90000"/>
+            <a:hueOff val="0"/>
+            <a:satOff val="0"/>
+            <a:lumOff val="0"/>
+            <a:alphaOff val="0"/>
+          </a:schemeClr>
+        </a:solidFill>
+        <a:ln w="19050" cap="rnd" cmpd="sng" algn="ctr">
+          <a:solidFill>
+            <a:schemeClr val="accent3">
+              <a:hueOff val="0"/>
+              <a:satOff val="0"/>
+              <a:lumOff val="0"/>
+              <a:alphaOff val="0"/>
+            </a:schemeClr>
+          </a:solidFill>
+          <a:prstDash val="solid"/>
+        </a:ln>
+        <a:effectLst/>
+      </dsp:spPr>
+      <dsp:style>
+        <a:lnRef idx="2">
+          <a:scrgbClr r="0" g="0" b="0"/>
+        </a:lnRef>
+        <a:fillRef idx="1">
+          <a:scrgbClr r="0" g="0" b="0"/>
+        </a:fillRef>
+        <a:effectRef idx="0">
+          <a:scrgbClr r="0" g="0" b="0"/>
+        </a:effectRef>
+        <a:fontRef idx="minor"/>
+      </dsp:style>
+      <dsp:txBody>
+        <a:bodyPr spcFirstLastPara="0" vert="horz" wrap="square" lIns="445607" tIns="499872" rIns="445607" bIns="170688" numCol="1" spcCol="1270" anchor="t" anchorCtr="0">
+          <a:noAutofit/>
+        </a:bodyPr>
+        <a:lstStyle/>
+        <a:p>
+          <a:pPr marL="228600" lvl="1" indent="-228600" algn="l" defTabSz="1066800">
+            <a:lnSpc>
+              <a:spcPct val="90000"/>
+            </a:lnSpc>
+            <a:spcBef>
+              <a:spcPct val="0"/>
+            </a:spcBef>
+            <a:spcAft>
+              <a:spcPct val="15000"/>
+            </a:spcAft>
+            <a:buChar char="•"/>
+          </a:pPr>
+          <a:r>
+            <a:rPr lang="en-US" sz="2400" kern="1200"/>
+            <a:t>Concession Sales</a:t>
+          </a:r>
+        </a:p>
+        <a:p>
+          <a:pPr marL="228600" lvl="1" indent="-228600" algn="l" defTabSz="1066800">
+            <a:lnSpc>
+              <a:spcPct val="90000"/>
+            </a:lnSpc>
+            <a:spcBef>
+              <a:spcPct val="0"/>
+            </a:spcBef>
+            <a:spcAft>
+              <a:spcPct val="15000"/>
+            </a:spcAft>
+            <a:buChar char="•"/>
+          </a:pPr>
+          <a:r>
+            <a:rPr lang="en-US" sz="2400" kern="1200"/>
+            <a:t>Ticket sales data from other theatres</a:t>
+          </a:r>
+        </a:p>
+      </dsp:txBody>
+      <dsp:txXfrm>
+        <a:off x="0" y="3590431"/>
+        <a:ext cx="5741533" cy="1398600"/>
+      </dsp:txXfrm>
+    </dsp:sp>
+    <dsp:sp modelId="{90DD5478-DBAE-4B82-8D1C-F57AA9B7C777}">
+      <dsp:nvSpPr>
+        <dsp:cNvPr id="0" name=""/>
+        <dsp:cNvSpPr/>
+      </dsp:nvSpPr>
+      <dsp:spPr>
+        <a:xfrm>
+          <a:off x="287076" y="3236191"/>
+          <a:ext cx="4019073" cy="708480"/>
+        </a:xfrm>
+        <a:prstGeom prst="roundRect">
+          <a:avLst/>
+        </a:prstGeom>
+        <a:solidFill>
+          <a:schemeClr val="accent3">
+            <a:hueOff val="0"/>
+            <a:satOff val="0"/>
+            <a:lumOff val="0"/>
+            <a:alphaOff val="0"/>
+          </a:schemeClr>
+        </a:solidFill>
+        <a:ln w="19050" cap="rnd" cmpd="sng" algn="ctr">
+          <a:solidFill>
+            <a:schemeClr val="lt1">
+              <a:hueOff val="0"/>
+              <a:satOff val="0"/>
+              <a:lumOff val="0"/>
+              <a:alphaOff val="0"/>
+            </a:schemeClr>
+          </a:solidFill>
+          <a:prstDash val="solid"/>
+        </a:ln>
+        <a:effectLst/>
+      </dsp:spPr>
+      <dsp:style>
+        <a:lnRef idx="2">
+          <a:scrgbClr r="0" g="0" b="0"/>
+        </a:lnRef>
+        <a:fillRef idx="1">
+          <a:scrgbClr r="0" g="0" b="0"/>
+        </a:fillRef>
+        <a:effectRef idx="0">
+          <a:scrgbClr r="0" g="0" b="0"/>
+        </a:effectRef>
+        <a:fontRef idx="minor">
+          <a:schemeClr val="lt1"/>
+        </a:fontRef>
+      </dsp:style>
+      <dsp:txBody>
+        <a:bodyPr spcFirstLastPara="0" vert="horz" wrap="square" lIns="151911" tIns="0" rIns="151911" bIns="0" numCol="1" spcCol="1270" anchor="ctr" anchorCtr="0">
+          <a:noAutofit/>
+        </a:bodyPr>
+        <a:lstStyle/>
+        <a:p>
+          <a:pPr marL="0" lvl="0" indent="0" algn="l" defTabSz="1066800">
+            <a:lnSpc>
+              <a:spcPct val="90000"/>
+            </a:lnSpc>
+            <a:spcBef>
+              <a:spcPct val="0"/>
+            </a:spcBef>
+            <a:spcAft>
+              <a:spcPct val="35000"/>
+            </a:spcAft>
+            <a:buNone/>
+          </a:pPr>
+          <a:r>
+            <a:rPr lang="en-US" sz="2400" kern="1200"/>
+            <a:t>Other Uses</a:t>
+          </a:r>
+        </a:p>
+      </dsp:txBody>
+      <dsp:txXfrm>
+        <a:off x="321661" y="3270776"/>
+        <a:ext cx="3949903" cy="639310"/>
+      </dsp:txXfrm>
+    </dsp:sp>
+  </dsp:spTree>
+</dsp:drawing>
+</file>
+
+<file path=ppt/diagrams/drawing3.xml><?xml version="1.0" encoding="utf-8"?>
+<dsp:drawing xmlns:dgm="http://schemas.openxmlformats.org/drawingml/2006/diagram" xmlns:dsp="http://schemas.microsoft.com/office/drawing/2008/diagram" xmlns:a="http://schemas.openxmlformats.org/drawingml/2006/main">
+  <dsp:spTree>
+    <dsp:nvGrpSpPr>
+      <dsp:cNvPr id="0" name=""/>
+      <dsp:cNvGrpSpPr/>
+    </dsp:nvGrpSpPr>
+    <dsp:grpSpPr/>
     <dsp:sp modelId="{09D89D7D-772D-4CAB-9346-A16682701EB2}">
       <dsp:nvSpPr>
         <dsp:cNvPr id="0" name=""/>
@@ -3303,6 +5086,231 @@
 </file>
 
 <file path=ppt/diagrams/layout2.xml><?xml version="1.0" encoding="utf-8"?>
+<dgm:layoutDef xmlns:dgm="http://schemas.openxmlformats.org/drawingml/2006/diagram" xmlns:a="http://schemas.openxmlformats.org/drawingml/2006/main" uniqueId="urn:microsoft.com/office/officeart/2005/8/layout/list1">
+  <dgm:title val=""/>
+  <dgm:desc val=""/>
+  <dgm:catLst>
+    <dgm:cat type="list" pri="4000"/>
+  </dgm:catLst>
+  <dgm:sampData>
+    <dgm:dataModel>
+      <dgm:ptLst>
+        <dgm:pt modelId="0" type="doc"/>
+        <dgm:pt modelId="1">
+          <dgm:prSet phldr="1"/>
+        </dgm:pt>
+        <dgm:pt modelId="2">
+          <dgm:prSet phldr="1"/>
+        </dgm:pt>
+        <dgm:pt modelId="3">
+          <dgm:prSet phldr="1"/>
+        </dgm:pt>
+      </dgm:ptLst>
+      <dgm:cxnLst>
+        <dgm:cxn modelId="4" srcId="0" destId="1" srcOrd="0" destOrd="0"/>
+        <dgm:cxn modelId="5" srcId="0" destId="2" srcOrd="1" destOrd="0"/>
+        <dgm:cxn modelId="6" srcId="0" destId="3" srcOrd="2" destOrd="0"/>
+      </dgm:cxnLst>
+      <dgm:bg/>
+      <dgm:whole/>
+    </dgm:dataModel>
+  </dgm:sampData>
+  <dgm:styleData>
+    <dgm:dataModel>
+      <dgm:ptLst>
+        <dgm:pt modelId="0" type="doc"/>
+        <dgm:pt modelId="1"/>
+        <dgm:pt modelId="2"/>
+      </dgm:ptLst>
+      <dgm:cxnLst>
+        <dgm:cxn modelId="4" srcId="0" destId="1" srcOrd="0" destOrd="0"/>
+        <dgm:cxn modelId="5" srcId="0" destId="2" srcOrd="1" destOrd="0"/>
+      </dgm:cxnLst>
+      <dgm:bg/>
+      <dgm:whole/>
+    </dgm:dataModel>
+  </dgm:styleData>
+  <dgm:clrData>
+    <dgm:dataModel>
+      <dgm:ptLst>
+        <dgm:pt modelId="0" type="doc"/>
+        <dgm:pt modelId="1"/>
+        <dgm:pt modelId="2"/>
+        <dgm:pt modelId="3"/>
+        <dgm:pt modelId="4"/>
+      </dgm:ptLst>
+      <dgm:cxnLst>
+        <dgm:cxn modelId="5" srcId="0" destId="1" srcOrd="0" destOrd="0"/>
+        <dgm:cxn modelId="6" srcId="0" destId="2" srcOrd="1" destOrd="0"/>
+        <dgm:cxn modelId="7" srcId="0" destId="3" srcOrd="2" destOrd="0"/>
+        <dgm:cxn modelId="8" srcId="0" destId="4" srcOrd="3" destOrd="0"/>
+      </dgm:cxnLst>
+      <dgm:bg/>
+      <dgm:whole/>
+    </dgm:dataModel>
+  </dgm:clrData>
+  <dgm:layoutNode name="linear">
+    <dgm:varLst>
+      <dgm:dir/>
+      <dgm:animLvl val="lvl"/>
+      <dgm:resizeHandles val="exact"/>
+    </dgm:varLst>
+    <dgm:choose name="Name0">
+      <dgm:if name="Name1" func="var" arg="dir" op="equ" val="norm">
+        <dgm:alg type="lin">
+          <dgm:param type="linDir" val="fromT"/>
+          <dgm:param type="vertAlign" val="mid"/>
+          <dgm:param type="horzAlign" val="l"/>
+          <dgm:param type="nodeHorzAlign" val="l"/>
+        </dgm:alg>
+      </dgm:if>
+      <dgm:else name="Name2">
+        <dgm:alg type="lin">
+          <dgm:param type="linDir" val="fromT"/>
+          <dgm:param type="vertAlign" val="mid"/>
+          <dgm:param type="horzAlign" val="r"/>
+          <dgm:param type="nodeHorzAlign" val="r"/>
+        </dgm:alg>
+      </dgm:else>
+    </dgm:choose>
+    <dgm:shape xmlns:r="http://schemas.openxmlformats.org/officeDocument/2006/relationships" r:blip="">
+      <dgm:adjLst/>
+    </dgm:shape>
+    <dgm:presOf/>
+    <dgm:constrLst>
+      <dgm:constr type="w" for="ch" forName="parentLin" refType="w"/>
+      <dgm:constr type="h" for="ch" forName="parentLin" val="INF"/>
+      <dgm:constr type="w" for="des" forName="parentLeftMargin" refType="w" fact="0.05"/>
+      <dgm:constr type="w" for="des" forName="parentText" refType="w" fact="0.7"/>
+      <dgm:constr type="h" for="des" forName="parentText" refType="primFontSz" refFor="des" refForName="parentText" fact="0.82"/>
+      <dgm:constr type="h" for="ch" forName="negativeSpace" refType="primFontSz" refFor="des" refForName="parentText" fact="-0.41"/>
+      <dgm:constr type="h" for="ch" forName="negativeSpace" refType="h" refFor="des" refForName="parentText" op="lte" fact="-0.82"/>
+      <dgm:constr type="h" for="ch" forName="negativeSpace" refType="h" refFor="des" refForName="parentText" op="gte" fact="-0.82"/>
+      <dgm:constr type="w" for="ch" forName="childText" refType="w"/>
+      <dgm:constr type="h" for="ch" forName="childText" refType="primFontSz" refFor="des" refForName="parentText" fact="0.7"/>
+      <dgm:constr type="primFontSz" for="des" forName="parentText" val="65"/>
+      <dgm:constr type="primFontSz" for="ch" forName="childText" refType="primFontSz" refFor="des" refForName="parentText"/>
+      <dgm:constr type="tMarg" for="ch" forName="childText" refType="primFontSz" refFor="des" refForName="parentText" fact="1.64"/>
+      <dgm:constr type="tMarg" for="ch" forName="childText" refType="h" refFor="des" refForName="parentText" op="lte" fact="3.28"/>
+      <dgm:constr type="tMarg" for="ch" forName="childText" refType="h" refFor="des" refForName="parentText" op="gte" fact="3.28"/>
+      <dgm:constr type="lMarg" for="ch" forName="childText" refType="w" fact="0.22"/>
+      <dgm:constr type="rMarg" for="ch" forName="childText" refType="lMarg" refFor="ch" refForName="childText"/>
+      <dgm:constr type="lMarg" for="des" forName="parentText" refType="w" fact="0.075"/>
+      <dgm:constr type="rMarg" for="des" forName="parentText" refType="lMarg" refFor="des" refForName="parentText"/>
+      <dgm:constr type="h" for="ch" forName="spaceBetweenRectangles" refType="primFontSz" refFor="des" refForName="parentText" fact="0.15"/>
+    </dgm:constrLst>
+    <dgm:ruleLst>
+      <dgm:rule type="primFontSz" for="des" forName="parentText" val="5" fact="NaN" max="NaN"/>
+    </dgm:ruleLst>
+    <dgm:forEach name="Name3" axis="ch" ptType="node">
+      <dgm:layoutNode name="parentLin">
+        <dgm:choose name="Name4">
+          <dgm:if name="Name5" func="var" arg="dir" op="equ" val="norm">
+            <dgm:alg type="lin">
+              <dgm:param type="linDir" val="fromL"/>
+              <dgm:param type="horzAlign" val="l"/>
+              <dgm:param type="nodeHorzAlign" val="l"/>
+            </dgm:alg>
+          </dgm:if>
+          <dgm:else name="Name6">
+            <dgm:alg type="lin">
+              <dgm:param type="linDir" val="fromR"/>
+              <dgm:param type="horzAlign" val="r"/>
+              <dgm:param type="nodeHorzAlign" val="r"/>
+            </dgm:alg>
+          </dgm:else>
+        </dgm:choose>
+        <dgm:shape xmlns:r="http://schemas.openxmlformats.org/officeDocument/2006/relationships" r:blip="">
+          <dgm:adjLst/>
+        </dgm:shape>
+        <dgm:presOf/>
+        <dgm:constrLst/>
+        <dgm:ruleLst/>
+        <dgm:layoutNode name="parentLeftMargin">
+          <dgm:alg type="sp"/>
+          <dgm:shape xmlns:r="http://schemas.openxmlformats.org/officeDocument/2006/relationships" type="rect" r:blip="" hideGeom="1">
+            <dgm:adjLst/>
+          </dgm:shape>
+          <dgm:presOf axis="self"/>
+          <dgm:constrLst>
+            <dgm:constr type="h"/>
+          </dgm:constrLst>
+          <dgm:ruleLst/>
+        </dgm:layoutNode>
+        <dgm:layoutNode name="parentText" styleLbl="node1">
+          <dgm:varLst>
+            <dgm:chMax val="0"/>
+            <dgm:bulletEnabled val="1"/>
+          </dgm:varLst>
+          <dgm:choose name="Name7">
+            <dgm:if name="Name8" func="var" arg="dir" op="equ" val="norm">
+              <dgm:alg type="tx">
+                <dgm:param type="parTxLTRAlign" val="l"/>
+                <dgm:param type="parTxRTLAlign" val="l"/>
+              </dgm:alg>
+            </dgm:if>
+            <dgm:else name="Name9">
+              <dgm:alg type="tx">
+                <dgm:param type="parTxLTRAlign" val="r"/>
+                <dgm:param type="parTxRTLAlign" val="r"/>
+              </dgm:alg>
+            </dgm:else>
+          </dgm:choose>
+          <dgm:shape xmlns:r="http://schemas.openxmlformats.org/officeDocument/2006/relationships" type="roundRect" r:blip="">
+            <dgm:adjLst/>
+          </dgm:shape>
+          <dgm:presOf axis="self" ptType="node"/>
+          <dgm:constrLst>
+            <dgm:constr type="tMarg"/>
+            <dgm:constr type="bMarg"/>
+          </dgm:constrLst>
+          <dgm:ruleLst/>
+        </dgm:layoutNode>
+      </dgm:layoutNode>
+      <dgm:layoutNode name="negativeSpace">
+        <dgm:alg type="sp"/>
+        <dgm:shape xmlns:r="http://schemas.openxmlformats.org/officeDocument/2006/relationships" r:blip="">
+          <dgm:adjLst/>
+        </dgm:shape>
+        <dgm:presOf/>
+        <dgm:constrLst/>
+        <dgm:ruleLst/>
+      </dgm:layoutNode>
+      <dgm:layoutNode name="childText" styleLbl="conFgAcc1">
+        <dgm:varLst>
+          <dgm:bulletEnabled val="1"/>
+        </dgm:varLst>
+        <dgm:alg type="tx">
+          <dgm:param type="stBulletLvl" val="1"/>
+        </dgm:alg>
+        <dgm:shape xmlns:r="http://schemas.openxmlformats.org/officeDocument/2006/relationships" type="rect" r:blip="" zOrderOff="-2">
+          <dgm:adjLst/>
+        </dgm:shape>
+        <dgm:presOf axis="des" ptType="node"/>
+        <dgm:constrLst>
+          <dgm:constr type="secFontSz" refType="primFontSz"/>
+        </dgm:constrLst>
+        <dgm:ruleLst>
+          <dgm:rule type="h" val="INF" fact="NaN" max="NaN"/>
+        </dgm:ruleLst>
+      </dgm:layoutNode>
+      <dgm:forEach name="Name10" axis="followSib" ptType="sibTrans" cnt="1">
+        <dgm:layoutNode name="spaceBetweenRectangles">
+          <dgm:alg type="sp"/>
+          <dgm:shape xmlns:r="http://schemas.openxmlformats.org/officeDocument/2006/relationships" r:blip="">
+            <dgm:adjLst/>
+          </dgm:shape>
+          <dgm:presOf/>
+          <dgm:constrLst/>
+          <dgm:ruleLst/>
+        </dgm:layoutNode>
+      </dgm:forEach>
+    </dgm:forEach>
+  </dgm:layoutNode>
+</dgm:layoutDef>
+</file>
+
+<file path=ppt/diagrams/layout3.xml><?xml version="1.0" encoding="utf-8"?>
 <dgm:layoutDef xmlns:dgm="http://schemas.openxmlformats.org/drawingml/2006/diagram" xmlns:a="http://schemas.openxmlformats.org/drawingml/2006/main" uniqueId="urn:microsoft.com/office/officeart/2018/5/layout/CenteredIconLabelDescriptionList">
   <dgm:title val="Centered Icon Label Description List"/>
   <dgm:desc val="Use to show non-sequential or grouped chunks of information. The placeholder holds an icon or small picture, and corresponding text boxes show Level 1 and Level 2 text respectively. Works well for minimal Level 1 text accompanied by lengthier Level two text."/>
@@ -4538,6 +6546,1040 @@
 </file>
 
 <file path=ppt/diagrams/quickStyle2.xml><?xml version="1.0" encoding="utf-8"?>
+<dgm:styleDef xmlns:dgm="http://schemas.openxmlformats.org/drawingml/2006/diagram" xmlns:a="http://schemas.openxmlformats.org/drawingml/2006/main" uniqueId="urn:microsoft.com/office/officeart/2005/8/quickstyle/simple1">
+  <dgm:title val=""/>
+  <dgm:desc val=""/>
+  <dgm:catLst>
+    <dgm:cat type="simple" pri="10100"/>
+  </dgm:catLst>
+  <dgm:scene3d>
+    <a:camera prst="orthographicFront"/>
+    <a:lightRig rig="threePt" dir="t"/>
+  </dgm:scene3d>
+  <dgm:styleLbl name="node0">
+    <dgm:scene3d>
+      <a:camera prst="orthographicFront"/>
+      <a:lightRig rig="threePt" dir="t"/>
+    </dgm:scene3d>
+    <dgm:sp3d/>
+    <dgm:txPr/>
+    <dgm:style>
+      <a:lnRef idx="2">
+        <a:scrgbClr r="0" g="0" b="0"/>
+      </a:lnRef>
+      <a:fillRef idx="1">
+        <a:scrgbClr r="0" g="0" b="0"/>
+      </a:fillRef>
+      <a:effectRef idx="0">
+        <a:scrgbClr r="0" g="0" b="0"/>
+      </a:effectRef>
+      <a:fontRef idx="minor">
+        <a:schemeClr val="lt1"/>
+      </a:fontRef>
+    </dgm:style>
+  </dgm:styleLbl>
+  <dgm:styleLbl name="lnNode1">
+    <dgm:scene3d>
+      <a:camera prst="orthographicFront"/>
+      <a:lightRig rig="threePt" dir="t"/>
+    </dgm:scene3d>
+    <dgm:sp3d/>
+    <dgm:txPr/>
+    <dgm:style>
+      <a:lnRef idx="2">
+        <a:scrgbClr r="0" g="0" b="0"/>
+      </a:lnRef>
+      <a:fillRef idx="1">
+        <a:scrgbClr r="0" g="0" b="0"/>
+      </a:fillRef>
+      <a:effectRef idx="0">
+        <a:scrgbClr r="0" g="0" b="0"/>
+      </a:effectRef>
+      <a:fontRef idx="minor">
+        <a:schemeClr val="lt1"/>
+      </a:fontRef>
+    </dgm:style>
+  </dgm:styleLbl>
+  <dgm:styleLbl name="vennNode1">
+    <dgm:scene3d>
+      <a:camera prst="orthographicFront"/>
+      <a:lightRig rig="threePt" dir="t"/>
+    </dgm:scene3d>
+    <dgm:sp3d/>
+    <dgm:txPr/>
+    <dgm:style>
+      <a:lnRef idx="2">
+        <a:scrgbClr r="0" g="0" b="0"/>
+      </a:lnRef>
+      <a:fillRef idx="1">
+        <a:scrgbClr r="0" g="0" b="0"/>
+      </a:fillRef>
+      <a:effectRef idx="0">
+        <a:scrgbClr r="0" g="0" b="0"/>
+      </a:effectRef>
+      <a:fontRef idx="minor">
+        <a:schemeClr val="tx1"/>
+      </a:fontRef>
+    </dgm:style>
+  </dgm:styleLbl>
+  <dgm:styleLbl name="alignNode1">
+    <dgm:scene3d>
+      <a:camera prst="orthographicFront"/>
+      <a:lightRig rig="threePt" dir="t"/>
+    </dgm:scene3d>
+    <dgm:sp3d/>
+    <dgm:txPr/>
+    <dgm:style>
+      <a:lnRef idx="2">
+        <a:scrgbClr r="0" g="0" b="0"/>
+      </a:lnRef>
+      <a:fillRef idx="1">
+        <a:scrgbClr r="0" g="0" b="0"/>
+      </a:fillRef>
+      <a:effectRef idx="0">
+        <a:scrgbClr r="0" g="0" b="0"/>
+      </a:effectRef>
+      <a:fontRef idx="minor">
+        <a:schemeClr val="lt1"/>
+      </a:fontRef>
+    </dgm:style>
+  </dgm:styleLbl>
+  <dgm:styleLbl name="node1">
+    <dgm:scene3d>
+      <a:camera prst="orthographicFront"/>
+      <a:lightRig rig="threePt" dir="t"/>
+    </dgm:scene3d>
+    <dgm:sp3d/>
+    <dgm:txPr/>
+    <dgm:style>
+      <a:lnRef idx="2">
+        <a:scrgbClr r="0" g="0" b="0"/>
+      </a:lnRef>
+      <a:fillRef idx="1">
+        <a:scrgbClr r="0" g="0" b="0"/>
+      </a:fillRef>
+      <a:effectRef idx="0">
+        <a:scrgbClr r="0" g="0" b="0"/>
+      </a:effectRef>
+      <a:fontRef idx="minor">
+        <a:schemeClr val="lt1"/>
+      </a:fontRef>
+    </dgm:style>
+  </dgm:styleLbl>
+  <dgm:styleLbl name="node2">
+    <dgm:scene3d>
+      <a:camera prst="orthographicFront"/>
+      <a:lightRig rig="threePt" dir="t"/>
+    </dgm:scene3d>
+    <dgm:sp3d/>
+    <dgm:txPr/>
+    <dgm:style>
+      <a:lnRef idx="2">
+        <a:scrgbClr r="0" g="0" b="0"/>
+      </a:lnRef>
+      <a:fillRef idx="1">
+        <a:scrgbClr r="0" g="0" b="0"/>
+      </a:fillRef>
+      <a:effectRef idx="0">
+        <a:scrgbClr r="0" g="0" b="0"/>
+      </a:effectRef>
+      <a:fontRef idx="minor">
+        <a:schemeClr val="lt1"/>
+      </a:fontRef>
+    </dgm:style>
+  </dgm:styleLbl>
+  <dgm:styleLbl name="node3">
+    <dgm:scene3d>
+      <a:camera prst="orthographicFront"/>
+      <a:lightRig rig="threePt" dir="t"/>
+    </dgm:scene3d>
+    <dgm:sp3d/>
+    <dgm:txPr/>
+    <dgm:style>
+      <a:lnRef idx="2">
+        <a:scrgbClr r="0" g="0" b="0"/>
+      </a:lnRef>
+      <a:fillRef idx="1">
+        <a:scrgbClr r="0" g="0" b="0"/>
+      </a:fillRef>
+      <a:effectRef idx="0">
+        <a:scrgbClr r="0" g="0" b="0"/>
+      </a:effectRef>
+      <a:fontRef idx="minor">
+        <a:schemeClr val="lt1"/>
+      </a:fontRef>
+    </dgm:style>
+  </dgm:styleLbl>
+  <dgm:styleLbl name="node4">
+    <dgm:scene3d>
+      <a:camera prst="orthographicFront"/>
+      <a:lightRig rig="threePt" dir="t"/>
+    </dgm:scene3d>
+    <dgm:sp3d/>
+    <dgm:txPr/>
+    <dgm:style>
+      <a:lnRef idx="2">
+        <a:scrgbClr r="0" g="0" b="0"/>
+      </a:lnRef>
+      <a:fillRef idx="1">
+        <a:scrgbClr r="0" g="0" b="0"/>
+      </a:fillRef>
+      <a:effectRef idx="0">
+        <a:scrgbClr r="0" g="0" b="0"/>
+      </a:effectRef>
+      <a:fontRef idx="minor">
+        <a:schemeClr val="lt1"/>
+      </a:fontRef>
+    </dgm:style>
+  </dgm:styleLbl>
+  <dgm:styleLbl name="fgImgPlace1">
+    <dgm:scene3d>
+      <a:camera prst="orthographicFront"/>
+      <a:lightRig rig="threePt" dir="t"/>
+    </dgm:scene3d>
+    <dgm:sp3d/>
+    <dgm:txPr/>
+    <dgm:style>
+      <a:lnRef idx="2">
+        <a:scrgbClr r="0" g="0" b="0"/>
+      </a:lnRef>
+      <a:fillRef idx="1">
+        <a:scrgbClr r="0" g="0" b="0"/>
+      </a:fillRef>
+      <a:effectRef idx="0">
+        <a:scrgbClr r="0" g="0" b="0"/>
+      </a:effectRef>
+      <a:fontRef idx="minor"/>
+    </dgm:style>
+  </dgm:styleLbl>
+  <dgm:styleLbl name="alignImgPlace1">
+    <dgm:scene3d>
+      <a:camera prst="orthographicFront"/>
+      <a:lightRig rig="threePt" dir="t"/>
+    </dgm:scene3d>
+    <dgm:sp3d/>
+    <dgm:txPr/>
+    <dgm:style>
+      <a:lnRef idx="2">
+        <a:scrgbClr r="0" g="0" b="0"/>
+      </a:lnRef>
+      <a:fillRef idx="1">
+        <a:scrgbClr r="0" g="0" b="0"/>
+      </a:fillRef>
+      <a:effectRef idx="0">
+        <a:scrgbClr r="0" g="0" b="0"/>
+      </a:effectRef>
+      <a:fontRef idx="minor"/>
+    </dgm:style>
+  </dgm:styleLbl>
+  <dgm:styleLbl name="bgImgPlace1">
+    <dgm:scene3d>
+      <a:camera prst="orthographicFront"/>
+      <a:lightRig rig="threePt" dir="t"/>
+    </dgm:scene3d>
+    <dgm:sp3d/>
+    <dgm:txPr/>
+    <dgm:style>
+      <a:lnRef idx="2">
+        <a:scrgbClr r="0" g="0" b="0"/>
+      </a:lnRef>
+      <a:fillRef idx="1">
+        <a:scrgbClr r="0" g="0" b="0"/>
+      </a:fillRef>
+      <a:effectRef idx="0">
+        <a:scrgbClr r="0" g="0" b="0"/>
+      </a:effectRef>
+      <a:fontRef idx="minor"/>
+    </dgm:style>
+  </dgm:styleLbl>
+  <dgm:styleLbl name="sibTrans2D1">
+    <dgm:scene3d>
+      <a:camera prst="orthographicFront"/>
+      <a:lightRig rig="threePt" dir="t"/>
+    </dgm:scene3d>
+    <dgm:sp3d/>
+    <dgm:txPr/>
+    <dgm:style>
+      <a:lnRef idx="0">
+        <a:scrgbClr r="0" g="0" b="0"/>
+      </a:lnRef>
+      <a:fillRef idx="1">
+        <a:scrgbClr r="0" g="0" b="0"/>
+      </a:fillRef>
+      <a:effectRef idx="0">
+        <a:scrgbClr r="0" g="0" b="0"/>
+      </a:effectRef>
+      <a:fontRef idx="minor">
+        <a:schemeClr val="lt1"/>
+      </a:fontRef>
+    </dgm:style>
+  </dgm:styleLbl>
+  <dgm:styleLbl name="fgSibTrans2D1">
+    <dgm:scene3d>
+      <a:camera prst="orthographicFront"/>
+      <a:lightRig rig="threePt" dir="t"/>
+    </dgm:scene3d>
+    <dgm:sp3d/>
+    <dgm:txPr/>
+    <dgm:style>
+      <a:lnRef idx="0">
+        <a:scrgbClr r="0" g="0" b="0"/>
+      </a:lnRef>
+      <a:fillRef idx="1">
+        <a:scrgbClr r="0" g="0" b="0"/>
+      </a:fillRef>
+      <a:effectRef idx="0">
+        <a:scrgbClr r="0" g="0" b="0"/>
+      </a:effectRef>
+      <a:fontRef idx="minor">
+        <a:schemeClr val="lt1"/>
+      </a:fontRef>
+    </dgm:style>
+  </dgm:styleLbl>
+  <dgm:styleLbl name="bgSibTrans2D1">
+    <dgm:scene3d>
+      <a:camera prst="orthographicFront"/>
+      <a:lightRig rig="threePt" dir="t"/>
+    </dgm:scene3d>
+    <dgm:sp3d/>
+    <dgm:txPr/>
+    <dgm:style>
+      <a:lnRef idx="0">
+        <a:scrgbClr r="0" g="0" b="0"/>
+      </a:lnRef>
+      <a:fillRef idx="1">
+        <a:scrgbClr r="0" g="0" b="0"/>
+      </a:fillRef>
+      <a:effectRef idx="0">
+        <a:scrgbClr r="0" g="0" b="0"/>
+      </a:effectRef>
+      <a:fontRef idx="minor">
+        <a:schemeClr val="lt1"/>
+      </a:fontRef>
+    </dgm:style>
+  </dgm:styleLbl>
+  <dgm:styleLbl name="sibTrans1D1">
+    <dgm:scene3d>
+      <a:camera prst="orthographicFront"/>
+      <a:lightRig rig="threePt" dir="t"/>
+    </dgm:scene3d>
+    <dgm:sp3d/>
+    <dgm:txPr/>
+    <dgm:style>
+      <a:lnRef idx="1">
+        <a:scrgbClr r="0" g="0" b="0"/>
+      </a:lnRef>
+      <a:fillRef idx="0">
+        <a:scrgbClr r="0" g="0" b="0"/>
+      </a:fillRef>
+      <a:effectRef idx="0">
+        <a:scrgbClr r="0" g="0" b="0"/>
+      </a:effectRef>
+      <a:fontRef idx="minor"/>
+    </dgm:style>
+  </dgm:styleLbl>
+  <dgm:styleLbl name="callout">
+    <dgm:scene3d>
+      <a:camera prst="orthographicFront"/>
+      <a:lightRig rig="threePt" dir="t"/>
+    </dgm:scene3d>
+    <dgm:sp3d/>
+    <dgm:txPr/>
+    <dgm:style>
+      <a:lnRef idx="2">
+        <a:scrgbClr r="0" g="0" b="0"/>
+      </a:lnRef>
+      <a:fillRef idx="1">
+        <a:scrgbClr r="0" g="0" b="0"/>
+      </a:fillRef>
+      <a:effectRef idx="0">
+        <a:scrgbClr r="0" g="0" b="0"/>
+      </a:effectRef>
+      <a:fontRef idx="minor"/>
+    </dgm:style>
+  </dgm:styleLbl>
+  <dgm:styleLbl name="asst0">
+    <dgm:scene3d>
+      <a:camera prst="orthographicFront"/>
+      <a:lightRig rig="threePt" dir="t"/>
+    </dgm:scene3d>
+    <dgm:sp3d/>
+    <dgm:txPr/>
+    <dgm:style>
+      <a:lnRef idx="2">
+        <a:scrgbClr r="0" g="0" b="0"/>
+      </a:lnRef>
+      <a:fillRef idx="1">
+        <a:scrgbClr r="0" g="0" b="0"/>
+      </a:fillRef>
+      <a:effectRef idx="0">
+        <a:scrgbClr r="0" g="0" b="0"/>
+      </a:effectRef>
+      <a:fontRef idx="minor">
+        <a:schemeClr val="lt1"/>
+      </a:fontRef>
+    </dgm:style>
+  </dgm:styleLbl>
+  <dgm:styleLbl name="asst1">
+    <dgm:scene3d>
+      <a:camera prst="orthographicFront"/>
+      <a:lightRig rig="threePt" dir="t"/>
+    </dgm:scene3d>
+    <dgm:sp3d/>
+    <dgm:txPr/>
+    <dgm:style>
+      <a:lnRef idx="2">
+        <a:scrgbClr r="0" g="0" b="0"/>
+      </a:lnRef>
+      <a:fillRef idx="1">
+        <a:scrgbClr r="0" g="0" b="0"/>
+      </a:fillRef>
+      <a:effectRef idx="0">
+        <a:scrgbClr r="0" g="0" b="0"/>
+      </a:effectRef>
+      <a:fontRef idx="minor">
+        <a:schemeClr val="lt1"/>
+      </a:fontRef>
+    </dgm:style>
+  </dgm:styleLbl>
+  <dgm:styleLbl name="asst2">
+    <dgm:scene3d>
+      <a:camera prst="orthographicFront"/>
+      <a:lightRig rig="threePt" dir="t"/>
+    </dgm:scene3d>
+    <dgm:sp3d/>
+    <dgm:txPr/>
+    <dgm:style>
+      <a:lnRef idx="2">
+        <a:scrgbClr r="0" g="0" b="0"/>
+      </a:lnRef>
+      <a:fillRef idx="1">
+        <a:scrgbClr r="0" g="0" b="0"/>
+      </a:fillRef>
+      <a:effectRef idx="0">
+        <a:scrgbClr r="0" g="0" b="0"/>
+      </a:effectRef>
+      <a:fontRef idx="minor">
+        <a:schemeClr val="lt1"/>
+      </a:fontRef>
+    </dgm:style>
+  </dgm:styleLbl>
+  <dgm:styleLbl name="asst3">
+    <dgm:scene3d>
+      <a:camera prst="orthographicFront"/>
+      <a:lightRig rig="threePt" dir="t"/>
+    </dgm:scene3d>
+    <dgm:sp3d/>
+    <dgm:txPr/>
+    <dgm:style>
+      <a:lnRef idx="2">
+        <a:scrgbClr r="0" g="0" b="0"/>
+      </a:lnRef>
+      <a:fillRef idx="1">
+        <a:scrgbClr r="0" g="0" b="0"/>
+      </a:fillRef>
+      <a:effectRef idx="0">
+        <a:scrgbClr r="0" g="0" b="0"/>
+      </a:effectRef>
+      <a:fontRef idx="minor">
+        <a:schemeClr val="lt1"/>
+      </a:fontRef>
+    </dgm:style>
+  </dgm:styleLbl>
+  <dgm:styleLbl name="asst4">
+    <dgm:scene3d>
+      <a:camera prst="orthographicFront"/>
+      <a:lightRig rig="threePt" dir="t"/>
+    </dgm:scene3d>
+    <dgm:sp3d/>
+    <dgm:txPr/>
+    <dgm:style>
+      <a:lnRef idx="2">
+        <a:scrgbClr r="0" g="0" b="0"/>
+      </a:lnRef>
+      <a:fillRef idx="1">
+        <a:scrgbClr r="0" g="0" b="0"/>
+      </a:fillRef>
+      <a:effectRef idx="0">
+        <a:scrgbClr r="0" g="0" b="0"/>
+      </a:effectRef>
+      <a:fontRef idx="minor">
+        <a:schemeClr val="lt1"/>
+      </a:fontRef>
+    </dgm:style>
+  </dgm:styleLbl>
+  <dgm:styleLbl name="parChTrans2D1">
+    <dgm:scene3d>
+      <a:camera prst="orthographicFront"/>
+      <a:lightRig rig="threePt" dir="t"/>
+    </dgm:scene3d>
+    <dgm:sp3d/>
+    <dgm:txPr/>
+    <dgm:style>
+      <a:lnRef idx="2">
+        <a:scrgbClr r="0" g="0" b="0"/>
+      </a:lnRef>
+      <a:fillRef idx="1">
+        <a:scrgbClr r="0" g="0" b="0"/>
+      </a:fillRef>
+      <a:effectRef idx="0">
+        <a:scrgbClr r="0" g="0" b="0"/>
+      </a:effectRef>
+      <a:fontRef idx="minor">
+        <a:schemeClr val="lt1"/>
+      </a:fontRef>
+    </dgm:style>
+  </dgm:styleLbl>
+  <dgm:styleLbl name="parChTrans2D2">
+    <dgm:scene3d>
+      <a:camera prst="orthographicFront"/>
+      <a:lightRig rig="threePt" dir="t"/>
+    </dgm:scene3d>
+    <dgm:sp3d/>
+    <dgm:txPr/>
+    <dgm:style>
+      <a:lnRef idx="2">
+        <a:scrgbClr r="0" g="0" b="0"/>
+      </a:lnRef>
+      <a:fillRef idx="1">
+        <a:scrgbClr r="0" g="0" b="0"/>
+      </a:fillRef>
+      <a:effectRef idx="0">
+        <a:scrgbClr r="0" g="0" b="0"/>
+      </a:effectRef>
+      <a:fontRef idx="minor">
+        <a:schemeClr val="lt1"/>
+      </a:fontRef>
+    </dgm:style>
+  </dgm:styleLbl>
+  <dgm:styleLbl name="parChTrans2D3">
+    <dgm:scene3d>
+      <a:camera prst="orthographicFront"/>
+      <a:lightRig rig="threePt" dir="t"/>
+    </dgm:scene3d>
+    <dgm:sp3d/>
+    <dgm:txPr/>
+    <dgm:style>
+      <a:lnRef idx="2">
+        <a:scrgbClr r="0" g="0" b="0"/>
+      </a:lnRef>
+      <a:fillRef idx="1">
+        <a:scrgbClr r="0" g="0" b="0"/>
+      </a:fillRef>
+      <a:effectRef idx="0">
+        <a:scrgbClr r="0" g="0" b="0"/>
+      </a:effectRef>
+      <a:fontRef idx="minor">
+        <a:schemeClr val="lt1"/>
+      </a:fontRef>
+    </dgm:style>
+  </dgm:styleLbl>
+  <dgm:styleLbl name="parChTrans2D4">
+    <dgm:scene3d>
+      <a:camera prst="orthographicFront"/>
+      <a:lightRig rig="threePt" dir="t"/>
+    </dgm:scene3d>
+    <dgm:sp3d/>
+    <dgm:txPr/>
+    <dgm:style>
+      <a:lnRef idx="2">
+        <a:scrgbClr r="0" g="0" b="0"/>
+      </a:lnRef>
+      <a:fillRef idx="1">
+        <a:scrgbClr r="0" g="0" b="0"/>
+      </a:fillRef>
+      <a:effectRef idx="0">
+        <a:scrgbClr r="0" g="0" b="0"/>
+      </a:effectRef>
+      <a:fontRef idx="minor">
+        <a:schemeClr val="lt1"/>
+      </a:fontRef>
+    </dgm:style>
+  </dgm:styleLbl>
+  <dgm:styleLbl name="parChTrans1D1">
+    <dgm:scene3d>
+      <a:camera prst="orthographicFront"/>
+      <a:lightRig rig="threePt" dir="t"/>
+    </dgm:scene3d>
+    <dgm:sp3d/>
+    <dgm:txPr/>
+    <dgm:style>
+      <a:lnRef idx="2">
+        <a:scrgbClr r="0" g="0" b="0"/>
+      </a:lnRef>
+      <a:fillRef idx="0">
+        <a:scrgbClr r="0" g="0" b="0"/>
+      </a:fillRef>
+      <a:effectRef idx="0">
+        <a:scrgbClr r="0" g="0" b="0"/>
+      </a:effectRef>
+      <a:fontRef idx="minor"/>
+    </dgm:style>
+  </dgm:styleLbl>
+  <dgm:styleLbl name="parChTrans1D2">
+    <dgm:scene3d>
+      <a:camera prst="orthographicFront"/>
+      <a:lightRig rig="threePt" dir="t"/>
+    </dgm:scene3d>
+    <dgm:sp3d/>
+    <dgm:txPr/>
+    <dgm:style>
+      <a:lnRef idx="2">
+        <a:scrgbClr r="0" g="0" b="0"/>
+      </a:lnRef>
+      <a:fillRef idx="0">
+        <a:scrgbClr r="0" g="0" b="0"/>
+      </a:fillRef>
+      <a:effectRef idx="0">
+        <a:scrgbClr r="0" g="0" b="0"/>
+      </a:effectRef>
+      <a:fontRef idx="minor"/>
+    </dgm:style>
+  </dgm:styleLbl>
+  <dgm:styleLbl name="parChTrans1D3">
+    <dgm:scene3d>
+      <a:camera prst="orthographicFront"/>
+      <a:lightRig rig="threePt" dir="t"/>
+    </dgm:scene3d>
+    <dgm:sp3d/>
+    <dgm:txPr/>
+    <dgm:style>
+      <a:lnRef idx="2">
+        <a:scrgbClr r="0" g="0" b="0"/>
+      </a:lnRef>
+      <a:fillRef idx="0">
+        <a:scrgbClr r="0" g="0" b="0"/>
+      </a:fillRef>
+      <a:effectRef idx="0">
+        <a:scrgbClr r="0" g="0" b="0"/>
+      </a:effectRef>
+      <a:fontRef idx="minor"/>
+    </dgm:style>
+  </dgm:styleLbl>
+  <dgm:styleLbl name="parChTrans1D4">
+    <dgm:scene3d>
+      <a:camera prst="orthographicFront"/>
+      <a:lightRig rig="threePt" dir="t"/>
+    </dgm:scene3d>
+    <dgm:sp3d/>
+    <dgm:txPr/>
+    <dgm:style>
+      <a:lnRef idx="2">
+        <a:scrgbClr r="0" g="0" b="0"/>
+      </a:lnRef>
+      <a:fillRef idx="0">
+        <a:scrgbClr r="0" g="0" b="0"/>
+      </a:fillRef>
+      <a:effectRef idx="0">
+        <a:scrgbClr r="0" g="0" b="0"/>
+      </a:effectRef>
+      <a:fontRef idx="minor"/>
+    </dgm:style>
+  </dgm:styleLbl>
+  <dgm:styleLbl name="fgAcc1">
+    <dgm:scene3d>
+      <a:camera prst="orthographicFront"/>
+      <a:lightRig rig="threePt" dir="t"/>
+    </dgm:scene3d>
+    <dgm:sp3d/>
+    <dgm:txPr/>
+    <dgm:style>
+      <a:lnRef idx="2">
+        <a:scrgbClr r="0" g="0" b="0"/>
+      </a:lnRef>
+      <a:fillRef idx="1">
+        <a:scrgbClr r="0" g="0" b="0"/>
+      </a:fillRef>
+      <a:effectRef idx="0">
+        <a:scrgbClr r="0" g="0" b="0"/>
+      </a:effectRef>
+      <a:fontRef idx="minor"/>
+    </dgm:style>
+  </dgm:styleLbl>
+  <dgm:styleLbl name="conFgAcc1">
+    <dgm:scene3d>
+      <a:camera prst="orthographicFront"/>
+      <a:lightRig rig="threePt" dir="t"/>
+    </dgm:scene3d>
+    <dgm:sp3d/>
+    <dgm:txPr/>
+    <dgm:style>
+      <a:lnRef idx="2">
+        <a:scrgbClr r="0" g="0" b="0"/>
+      </a:lnRef>
+      <a:fillRef idx="1">
+        <a:scrgbClr r="0" g="0" b="0"/>
+      </a:fillRef>
+      <a:effectRef idx="0">
+        <a:scrgbClr r="0" g="0" b="0"/>
+      </a:effectRef>
+      <a:fontRef idx="minor"/>
+    </dgm:style>
+  </dgm:styleLbl>
+  <dgm:styleLbl name="alignAcc1">
+    <dgm:scene3d>
+      <a:camera prst="orthographicFront"/>
+      <a:lightRig rig="threePt" dir="t"/>
+    </dgm:scene3d>
+    <dgm:sp3d/>
+    <dgm:txPr/>
+    <dgm:style>
+      <a:lnRef idx="2">
+        <a:scrgbClr r="0" g="0" b="0"/>
+      </a:lnRef>
+      <a:fillRef idx="1">
+        <a:scrgbClr r="0" g="0" b="0"/>
+      </a:fillRef>
+      <a:effectRef idx="0">
+        <a:scrgbClr r="0" g="0" b="0"/>
+      </a:effectRef>
+      <a:fontRef idx="minor"/>
+    </dgm:style>
+  </dgm:styleLbl>
+  <dgm:styleLbl name="trAlignAcc1">
+    <dgm:scene3d>
+      <a:camera prst="orthographicFront"/>
+      <a:lightRig rig="threePt" dir="t"/>
+    </dgm:scene3d>
+    <dgm:sp3d/>
+    <dgm:txPr/>
+    <dgm:style>
+      <a:lnRef idx="1">
+        <a:scrgbClr r="0" g="0" b="0"/>
+      </a:lnRef>
+      <a:fillRef idx="1">
+        <a:scrgbClr r="0" g="0" b="0"/>
+      </a:fillRef>
+      <a:effectRef idx="0">
+        <a:scrgbClr r="0" g="0" b="0"/>
+      </a:effectRef>
+      <a:fontRef idx="minor"/>
+    </dgm:style>
+  </dgm:styleLbl>
+  <dgm:styleLbl name="bgAcc1">
+    <dgm:scene3d>
+      <a:camera prst="orthographicFront"/>
+      <a:lightRig rig="threePt" dir="t"/>
+    </dgm:scene3d>
+    <dgm:sp3d/>
+    <dgm:txPr/>
+    <dgm:style>
+      <a:lnRef idx="2">
+        <a:scrgbClr r="0" g="0" b="0"/>
+      </a:lnRef>
+      <a:fillRef idx="1">
+        <a:scrgbClr r="0" g="0" b="0"/>
+      </a:fillRef>
+      <a:effectRef idx="0">
+        <a:scrgbClr r="0" g="0" b="0"/>
+      </a:effectRef>
+      <a:fontRef idx="minor"/>
+    </dgm:style>
+  </dgm:styleLbl>
+  <dgm:styleLbl name="solidFgAcc1">
+    <dgm:scene3d>
+      <a:camera prst="orthographicFront"/>
+      <a:lightRig rig="threePt" dir="t"/>
+    </dgm:scene3d>
+    <dgm:sp3d/>
+    <dgm:txPr/>
+    <dgm:style>
+      <a:lnRef idx="2">
+        <a:scrgbClr r="0" g="0" b="0"/>
+      </a:lnRef>
+      <a:fillRef idx="1">
+        <a:scrgbClr r="0" g="0" b="0"/>
+      </a:fillRef>
+      <a:effectRef idx="0">
+        <a:scrgbClr r="0" g="0" b="0"/>
+      </a:effectRef>
+      <a:fontRef idx="minor"/>
+    </dgm:style>
+  </dgm:styleLbl>
+  <dgm:styleLbl name="solidAlignAcc1">
+    <dgm:scene3d>
+      <a:camera prst="orthographicFront"/>
+      <a:lightRig rig="threePt" dir="t"/>
+    </dgm:scene3d>
+    <dgm:sp3d/>
+    <dgm:txPr/>
+    <dgm:style>
+      <a:lnRef idx="2">
+        <a:scrgbClr r="0" g="0" b="0"/>
+      </a:lnRef>
+      <a:fillRef idx="1">
+        <a:scrgbClr r="0" g="0" b="0"/>
+      </a:fillRef>
+      <a:effectRef idx="0">
+        <a:scrgbClr r="0" g="0" b="0"/>
+      </a:effectRef>
+      <a:fontRef idx="minor"/>
+    </dgm:style>
+  </dgm:styleLbl>
+  <dgm:styleLbl name="solidBgAcc1">
+    <dgm:scene3d>
+      <a:camera prst="orthographicFront"/>
+      <a:lightRig rig="threePt" dir="t"/>
+    </dgm:scene3d>
+    <dgm:sp3d/>
+    <dgm:txPr/>
+    <dgm:style>
+      <a:lnRef idx="2">
+        <a:scrgbClr r="0" g="0" b="0"/>
+      </a:lnRef>
+      <a:fillRef idx="1">
+        <a:scrgbClr r="0" g="0" b="0"/>
+      </a:fillRef>
+      <a:effectRef idx="0">
+        <a:scrgbClr r="0" g="0" b="0"/>
+      </a:effectRef>
+      <a:fontRef idx="minor"/>
+    </dgm:style>
+  </dgm:styleLbl>
+  <dgm:styleLbl name="fgAccFollowNode1">
+    <dgm:scene3d>
+      <a:camera prst="orthographicFront"/>
+      <a:lightRig rig="threePt" dir="t"/>
+    </dgm:scene3d>
+    <dgm:sp3d/>
+    <dgm:txPr/>
+    <dgm:style>
+      <a:lnRef idx="2">
+        <a:scrgbClr r="0" g="0" b="0"/>
+      </a:lnRef>
+      <a:fillRef idx="1">
+        <a:scrgbClr r="0" g="0" b="0"/>
+      </a:fillRef>
+      <a:effectRef idx="0">
+        <a:scrgbClr r="0" g="0" b="0"/>
+      </a:effectRef>
+      <a:fontRef idx="minor"/>
+    </dgm:style>
+  </dgm:styleLbl>
+  <dgm:styleLbl name="alignAccFollowNode1">
+    <dgm:scene3d>
+      <a:camera prst="orthographicFront"/>
+      <a:lightRig rig="threePt" dir="t"/>
+    </dgm:scene3d>
+    <dgm:sp3d/>
+    <dgm:txPr/>
+    <dgm:style>
+      <a:lnRef idx="2">
+        <a:scrgbClr r="0" g="0" b="0"/>
+      </a:lnRef>
+      <a:fillRef idx="1">
+        <a:scrgbClr r="0" g="0" b="0"/>
+      </a:fillRef>
+      <a:effectRef idx="0">
+        <a:scrgbClr r="0" g="0" b="0"/>
+      </a:effectRef>
+      <a:fontRef idx="minor"/>
+    </dgm:style>
+  </dgm:styleLbl>
+  <dgm:styleLbl name="bgAccFollowNode1">
+    <dgm:scene3d>
+      <a:camera prst="orthographicFront"/>
+      <a:lightRig rig="threePt" dir="t"/>
+    </dgm:scene3d>
+    <dgm:sp3d/>
+    <dgm:txPr/>
+    <dgm:style>
+      <a:lnRef idx="2">
+        <a:scrgbClr r="0" g="0" b="0"/>
+      </a:lnRef>
+      <a:fillRef idx="1">
+        <a:scrgbClr r="0" g="0" b="0"/>
+      </a:fillRef>
+      <a:effectRef idx="0">
+        <a:scrgbClr r="0" g="0" b="0"/>
+      </a:effectRef>
+      <a:fontRef idx="minor"/>
+    </dgm:style>
+  </dgm:styleLbl>
+  <dgm:styleLbl name="fgAcc0">
+    <dgm:scene3d>
+      <a:camera prst="orthographicFront"/>
+      <a:lightRig rig="threePt" dir="t"/>
+    </dgm:scene3d>
+    <dgm:sp3d/>
+    <dgm:txPr/>
+    <dgm:style>
+      <a:lnRef idx="2">
+        <a:scrgbClr r="0" g="0" b="0"/>
+      </a:lnRef>
+      <a:fillRef idx="1">
+        <a:scrgbClr r="0" g="0" b="0"/>
+      </a:fillRef>
+      <a:effectRef idx="0">
+        <a:scrgbClr r="0" g="0" b="0"/>
+      </a:effectRef>
+      <a:fontRef idx="minor"/>
+    </dgm:style>
+  </dgm:styleLbl>
+  <dgm:styleLbl name="fgAcc2">
+    <dgm:scene3d>
+      <a:camera prst="orthographicFront"/>
+      <a:lightRig rig="threePt" dir="t"/>
+    </dgm:scene3d>
+    <dgm:sp3d/>
+    <dgm:txPr/>
+    <dgm:style>
+      <a:lnRef idx="2">
+        <a:scrgbClr r="0" g="0" b="0"/>
+      </a:lnRef>
+      <a:fillRef idx="1">
+        <a:scrgbClr r="0" g="0" b="0"/>
+      </a:fillRef>
+      <a:effectRef idx="0">
+        <a:scrgbClr r="0" g="0" b="0"/>
+      </a:effectRef>
+      <a:fontRef idx="minor"/>
+    </dgm:style>
+  </dgm:styleLbl>
+  <dgm:styleLbl name="fgAcc3">
+    <dgm:scene3d>
+      <a:camera prst="orthographicFront"/>
+      <a:lightRig rig="threePt" dir="t"/>
+    </dgm:scene3d>
+    <dgm:sp3d/>
+    <dgm:txPr/>
+    <dgm:style>
+      <a:lnRef idx="2">
+        <a:scrgbClr r="0" g="0" b="0"/>
+      </a:lnRef>
+      <a:fillRef idx="1">
+        <a:scrgbClr r="0" g="0" b="0"/>
+      </a:fillRef>
+      <a:effectRef idx="0">
+        <a:scrgbClr r="0" g="0" b="0"/>
+      </a:effectRef>
+      <a:fontRef idx="minor"/>
+    </dgm:style>
+  </dgm:styleLbl>
+  <dgm:styleLbl name="fgAcc4">
+    <dgm:scene3d>
+      <a:camera prst="orthographicFront"/>
+      <a:lightRig rig="threePt" dir="t"/>
+    </dgm:scene3d>
+    <dgm:sp3d/>
+    <dgm:txPr/>
+    <dgm:style>
+      <a:lnRef idx="2">
+        <a:scrgbClr r="0" g="0" b="0"/>
+      </a:lnRef>
+      <a:fillRef idx="1">
+        <a:scrgbClr r="0" g="0" b="0"/>
+      </a:fillRef>
+      <a:effectRef idx="0">
+        <a:scrgbClr r="0" g="0" b="0"/>
+      </a:effectRef>
+      <a:fontRef idx="minor"/>
+    </dgm:style>
+  </dgm:styleLbl>
+  <dgm:styleLbl name="bgShp">
+    <dgm:scene3d>
+      <a:camera prst="orthographicFront"/>
+      <a:lightRig rig="threePt" dir="t"/>
+    </dgm:scene3d>
+    <dgm:sp3d/>
+    <dgm:txPr/>
+    <dgm:style>
+      <a:lnRef idx="0">
+        <a:scrgbClr r="0" g="0" b="0"/>
+      </a:lnRef>
+      <a:fillRef idx="1">
+        <a:scrgbClr r="0" g="0" b="0"/>
+      </a:fillRef>
+      <a:effectRef idx="0">
+        <a:scrgbClr r="0" g="0" b="0"/>
+      </a:effectRef>
+      <a:fontRef idx="minor"/>
+    </dgm:style>
+  </dgm:styleLbl>
+  <dgm:styleLbl name="dkBgShp">
+    <dgm:scene3d>
+      <a:camera prst="orthographicFront"/>
+      <a:lightRig rig="threePt" dir="t"/>
+    </dgm:scene3d>
+    <dgm:sp3d/>
+    <dgm:txPr/>
+    <dgm:style>
+      <a:lnRef idx="0">
+        <a:scrgbClr r="0" g="0" b="0"/>
+      </a:lnRef>
+      <a:fillRef idx="1">
+        <a:scrgbClr r="0" g="0" b="0"/>
+      </a:fillRef>
+      <a:effectRef idx="0">
+        <a:scrgbClr r="0" g="0" b="0"/>
+      </a:effectRef>
+      <a:fontRef idx="minor"/>
+    </dgm:style>
+  </dgm:styleLbl>
+  <dgm:styleLbl name="trBgShp">
+    <dgm:scene3d>
+      <a:camera prst="orthographicFront"/>
+      <a:lightRig rig="threePt" dir="t"/>
+    </dgm:scene3d>
+    <dgm:sp3d/>
+    <dgm:txPr/>
+    <dgm:style>
+      <a:lnRef idx="0">
+        <a:scrgbClr r="0" g="0" b="0"/>
+      </a:lnRef>
+      <a:fillRef idx="1">
+        <a:scrgbClr r="0" g="0" b="0"/>
+      </a:fillRef>
+      <a:effectRef idx="0">
+        <a:scrgbClr r="0" g="0" b="0"/>
+      </a:effectRef>
+      <a:fontRef idx="minor"/>
+    </dgm:style>
+  </dgm:styleLbl>
+  <dgm:styleLbl name="fgShp">
+    <dgm:scene3d>
+      <a:camera prst="orthographicFront"/>
+      <a:lightRig rig="threePt" dir="t"/>
+    </dgm:scene3d>
+    <dgm:sp3d/>
+    <dgm:txPr/>
+    <dgm:style>
+      <a:lnRef idx="2">
+        <a:scrgbClr r="0" g="0" b="0"/>
+      </a:lnRef>
+      <a:fillRef idx="1">
+        <a:scrgbClr r="0" g="0" b="0"/>
+      </a:fillRef>
+      <a:effectRef idx="0">
+        <a:scrgbClr r="0" g="0" b="0"/>
+      </a:effectRef>
+      <a:fontRef idx="minor"/>
+    </dgm:style>
+  </dgm:styleLbl>
+  <dgm:styleLbl name="revTx">
+    <dgm:scene3d>
+      <a:camera prst="orthographicFront"/>
+      <a:lightRig rig="threePt" dir="t"/>
+    </dgm:scene3d>
+    <dgm:sp3d/>
+    <dgm:txPr/>
+    <dgm:style>
+      <a:lnRef idx="0">
+        <a:scrgbClr r="0" g="0" b="0"/>
+      </a:lnRef>
+      <a:fillRef idx="0">
+        <a:scrgbClr r="0" g="0" b="0"/>
+      </a:fillRef>
+      <a:effectRef idx="0">
+        <a:scrgbClr r="0" g="0" b="0"/>
+      </a:effectRef>
+      <a:fontRef idx="minor"/>
+    </dgm:style>
+  </dgm:styleLbl>
+</dgm:styleDef>
+</file>
+
+<file path=ppt/diagrams/quickStyle3.xml><?xml version="1.0" encoding="utf-8"?>
 <dgm:styleDef xmlns:dgm="http://schemas.openxmlformats.org/drawingml/2006/diagram" xmlns:a="http://schemas.openxmlformats.org/drawingml/2006/main" uniqueId="urn:microsoft.com/office/officeart/2005/8/quickstyle/simple1">
   <dgm:title val=""/>
   <dgm:desc val=""/>
@@ -12472,22 +15514,10 @@
           </a:p>
           <a:p>
             <a:r>
-              <a:rPr lang="en-US" dirty="0">
-                <a:cs typeface="Calibri"/>
-              </a:rPr>
-              <a:t>Application development risks – Low, web page languages: HTML, </a:t>
-            </a:r>
-            <a:r>
               <a:rPr lang="en-US">
                 <a:cs typeface="Calibri"/>
               </a:rPr>
-              <a:t>CSS, JavaScript, PHP, </a:t>
-            </a:r>
-            <a:r>
-              <a:rPr lang="en-US" dirty="0">
-                <a:cs typeface="Calibri"/>
-              </a:rPr>
-              <a:t>MySQL</a:t>
+              <a:t>Application development risks – Low, web page languages: HTML, CSS, JavaScript, PHP, MySQL</a:t>
             </a:r>
           </a:p>
           <a:p>
@@ -14843,7 +17873,7 @@
               <a:buNone/>
             </a:pPr>
             <a:r>
-              <a:rPr lang="en-US" dirty="0">
+              <a:rPr lang="en-US">
                 <a:cs typeface="Calibri"/>
               </a:rPr>
               <a:t>Web based application utilizing:</a:t>
@@ -14851,7 +17881,7 @@
           </a:p>
           <a:p>
             <a:r>
-              <a:rPr lang="en-US" dirty="0">
+              <a:rPr lang="en-US">
                 <a:cs typeface="Calibri"/>
               </a:rPr>
               <a:t>HTML</a:t>
@@ -14859,7 +17889,7 @@
           </a:p>
           <a:p>
             <a:r>
-              <a:rPr lang="en-US" dirty="0">
+              <a:rPr lang="en-US">
                 <a:cs typeface="Calibri"/>
               </a:rPr>
               <a:t>CSS</a:t>
@@ -14872,13 +17902,10 @@
               </a:rPr>
               <a:t>JavaScript</a:t>
             </a:r>
-            <a:endParaRPr lang="en-US" dirty="0">
-              <a:cs typeface="Calibri"/>
-            </a:endParaRPr>
-          </a:p>
-          <a:p>
-            <a:r>
-              <a:rPr lang="en-US" dirty="0">
+          </a:p>
+          <a:p>
+            <a:r>
+              <a:rPr lang="en-US">
                 <a:cs typeface="Calibri"/>
               </a:rPr>
               <a:t>MySQL</a:t>
@@ -14886,7 +17913,7 @@
           </a:p>
           <a:p>
             <a:r>
-              <a:rPr lang="en-US" dirty="0">
+              <a:rPr lang="en-US">
                 <a:cs typeface="Calibri"/>
               </a:rPr>
               <a:t>Java GUI</a:t>
@@ -14896,7 +17923,7 @@
             <a:pPr marL="0" indent="0">
               <a:buNone/>
             </a:pPr>
-            <a:endParaRPr lang="en-US" dirty="0">
+            <a:endParaRPr lang="en-US">
               <a:cs typeface="Calibri"/>
             </a:endParaRPr>
           </a:p>
@@ -14905,7 +17932,7 @@
               <a:buNone/>
             </a:pPr>
             <a:r>
-              <a:rPr lang="en-US" dirty="0">
+              <a:rPr lang="en-US">
                 <a:cs typeface="Calibri"/>
               </a:rPr>
               <a:t>Accessible via URL for authorized users</a:t>
@@ -16246,6 +19273,15 @@
 <file path=ppt/slides/slide6.xml><?xml version="1.0" encoding="utf-8"?>
 <p:sld xmlns:a="http://schemas.openxmlformats.org/drawingml/2006/main" xmlns:r="http://schemas.openxmlformats.org/officeDocument/2006/relationships" xmlns:p="http://schemas.openxmlformats.org/presentationml/2006/main">
   <p:cSld>
+    <p:bg>
+      <p:bgPr>
+        <a:blipFill>
+          <a:blip r:embed="rId2"/>
+          <a:stretch/>
+        </a:blipFill>
+        <a:effectLst/>
+      </p:bgPr>
+    </p:bg>
     <p:spTree>
       <p:nvGrpSpPr>
         <p:cNvPr id="1" name=""/>
@@ -16276,9 +19312,16 @@
             <p:ph type="title"/>
           </p:nvPr>
         </p:nvSpPr>
-        <p:spPr/>
+        <p:spPr>
+          <a:xfrm>
+            <a:off x="685802" y="609600"/>
+            <a:ext cx="6282266" cy="1456267"/>
+          </a:xfrm>
+        </p:spPr>
         <p:txBody>
-          <a:bodyPr/>
+          <a:bodyPr>
+            <a:normAutofit/>
+          </a:bodyPr>
           <a:lstStyle/>
           <a:p>
             <a:r>
@@ -16307,11 +19350,23 @@
             <p:ph idx="1"/>
           </p:nvPr>
         </p:nvSpPr>
-        <p:spPr/>
+        <p:spPr>
+          <a:xfrm>
+            <a:off x="685802" y="2142067"/>
+            <a:ext cx="6282266" cy="3649133"/>
+          </a:xfrm>
+        </p:spPr>
         <p:txBody>
-          <a:bodyPr/>
+          <a:bodyPr>
+            <a:normAutofit/>
+          </a:bodyPr>
           <a:lstStyle/>
           <a:p>
+            <a:pPr>
+              <a:lnSpc>
+                <a:spcPct val="90000"/>
+              </a:lnSpc>
+            </a:pPr>
             <a:r>
               <a:rPr lang="en-US">
                 <a:cs typeface="Calibri"/>
@@ -16321,7 +19376,11 @@
             <a:endParaRPr lang="en-US"/>
           </a:p>
           <a:p>
-            <a:pPr lvl="1"/>
+            <a:pPr lvl="1">
+              <a:lnSpc>
+                <a:spcPct val="90000"/>
+              </a:lnSpc>
+            </a:pPr>
             <a:r>
               <a:rPr lang="en-US">
                 <a:cs typeface="Calibri"/>
@@ -16330,7 +19389,11 @@
             </a:r>
           </a:p>
           <a:p>
-            <a:pPr lvl="2"/>
+            <a:pPr lvl="2">
+              <a:lnSpc>
+                <a:spcPct val="90000"/>
+              </a:lnSpc>
+            </a:pPr>
             <a:r>
               <a:rPr lang="en-US">
                 <a:cs typeface="Calibri"/>
@@ -16339,7 +19402,11 @@
             </a:r>
           </a:p>
           <a:p>
-            <a:pPr lvl="2"/>
+            <a:pPr lvl="2">
+              <a:lnSpc>
+                <a:spcPct val="90000"/>
+              </a:lnSpc>
+            </a:pPr>
             <a:r>
               <a:rPr lang="en-US">
                 <a:cs typeface="Calibri"/>
@@ -16348,6 +19415,11 @@
             </a:r>
           </a:p>
           <a:p>
+            <a:pPr>
+              <a:lnSpc>
+                <a:spcPct val="90000"/>
+              </a:lnSpc>
+            </a:pPr>
             <a:r>
               <a:rPr lang="en-US">
                 <a:cs typeface="Calibri"/>
@@ -16356,7 +19428,11 @@
             </a:r>
           </a:p>
           <a:p>
-            <a:pPr lvl="1"/>
+            <a:pPr lvl="1">
+              <a:lnSpc>
+                <a:spcPct val="90000"/>
+              </a:lnSpc>
+            </a:pPr>
             <a:r>
               <a:rPr lang="en-US">
                 <a:cs typeface="Calibri"/>
@@ -16365,7 +19441,11 @@
             </a:r>
           </a:p>
           <a:p>
-            <a:pPr lvl="2"/>
+            <a:pPr lvl="2">
+              <a:lnSpc>
+                <a:spcPct val="90000"/>
+              </a:lnSpc>
+            </a:pPr>
             <a:r>
               <a:rPr lang="en-US">
                 <a:cs typeface="Calibri"/>
@@ -16374,7 +19454,11 @@
             </a:r>
           </a:p>
           <a:p>
-            <a:pPr lvl="3"/>
+            <a:pPr lvl="3">
+              <a:lnSpc>
+                <a:spcPct val="90000"/>
+              </a:lnSpc>
+            </a:pPr>
             <a:r>
               <a:rPr lang="en-US">
                 <a:cs typeface="Calibri"/>
@@ -16383,7 +19467,11 @@
             </a:r>
           </a:p>
           <a:p>
-            <a:pPr lvl="2"/>
+            <a:pPr lvl="2">
+              <a:lnSpc>
+                <a:spcPct val="90000"/>
+              </a:lnSpc>
+            </a:pPr>
             <a:r>
               <a:rPr lang="en-US">
                 <a:cs typeface="Calibri"/>
@@ -16392,7 +19480,11 @@
             </a:r>
           </a:p>
           <a:p>
-            <a:pPr lvl="3"/>
+            <a:pPr lvl="3">
+              <a:lnSpc>
+                <a:spcPct val="90000"/>
+              </a:lnSpc>
+            </a:pPr>
             <a:r>
               <a:rPr lang="en-US">
                 <a:cs typeface="Calibri"/>
@@ -16402,6 +19494,9 @@
           </a:p>
           <a:p>
             <a:pPr marL="0" indent="0">
+              <a:lnSpc>
+                <a:spcPct val="90000"/>
+              </a:lnSpc>
               <a:buNone/>
             </a:pPr>
             <a:endParaRPr lang="en-US">
@@ -16410,6 +19505,73 @@
           </a:p>
         </p:txBody>
       </p:sp>
+      <p:pic>
+        <p:nvPicPr>
+          <p:cNvPr id="7" name="Graphic 6" descr="Video camera">
+            <a:extLst>
+              <a:ext uri="{FF2B5EF4-FFF2-40B4-BE49-F238E27FC236}">
+                <a16:creationId xmlns:a16="http://schemas.microsoft.com/office/drawing/2014/main" id="{C6A5E93D-E6DC-4293-981F-AB329B389094}"/>
+              </a:ext>
+            </a:extLst>
+          </p:cNvPr>
+          <p:cNvPicPr>
+            <a:picLocks noChangeAspect="1"/>
+          </p:cNvPicPr>
+          <p:nvPr/>
+        </p:nvPicPr>
+        <p:blipFill>
+          <a:blip r:embed="rId3">
+            <a:extLst>
+              <a:ext uri="{28A0092B-C50C-407E-A947-70E740481C1C}">
+                <a14:useLocalDpi xmlns:a14="http://schemas.microsoft.com/office/drawing/2010/main" val="0"/>
+              </a:ext>
+              <a:ext uri="{96DAC541-7B7A-43D3-8B79-37D633B846F1}">
+                <asvg:svgBlip xmlns:asvg="http://schemas.microsoft.com/office/drawing/2016/SVG/main" r:embed="rId4"/>
+              </a:ext>
+            </a:extLst>
+          </a:blip>
+          <a:stretch>
+            <a:fillRect/>
+          </a:stretch>
+        </p:blipFill>
+        <p:spPr>
+          <a:xfrm>
+            <a:off x="7590936" y="1668042"/>
+            <a:ext cx="3445714" cy="3445714"/>
+          </a:xfrm>
+          <a:prstGeom prst="roundRect">
+            <a:avLst>
+              <a:gd name="adj" fmla="val 4380"/>
+            </a:avLst>
+          </a:prstGeom>
+          <a:ln w="50800" cap="sq" cmpd="dbl">
+            <a:gradFill flip="none" rotWithShape="1">
+              <a:gsLst>
+                <a:gs pos="0">
+                  <a:srgbClr val="FFFFFF"/>
+                </a:gs>
+                <a:gs pos="100000">
+                  <a:schemeClr val="tx1">
+                    <a:alpha val="0"/>
+                  </a:schemeClr>
+                </a:gs>
+              </a:gsLst>
+              <a:path path="circle">
+                <a:fillToRect l="50000" t="50000" r="50000" b="50000"/>
+              </a:path>
+              <a:tileRect/>
+            </a:gradFill>
+            <a:miter lim="800000"/>
+          </a:ln>
+          <a:effectLst>
+            <a:outerShdw blurRad="254000" algn="tl" rotWithShape="0">
+              <a:srgbClr val="000000">
+                <a:alpha val="43000"/>
+              </a:srgbClr>
+            </a:outerShdw>
+          </a:effectLst>
+        </p:spPr>
+      </p:pic>
     </p:spTree>
     <p:extLst>
       <p:ext uri="{BB962C8B-B14F-4D97-AF65-F5344CB8AC3E}">
@@ -16426,6 +19588,14 @@
 <file path=ppt/slides/slide7.xml><?xml version="1.0" encoding="utf-8"?>
 <p:sld xmlns:a="http://schemas.openxmlformats.org/drawingml/2006/main" xmlns:r="http://schemas.openxmlformats.org/officeDocument/2006/relationships" xmlns:p="http://schemas.openxmlformats.org/presentationml/2006/main">
   <p:cSld>
+    <p:bg>
+      <p:bgPr>
+        <a:solidFill>
+          <a:schemeClr val="bg1"/>
+        </a:solidFill>
+        <a:effectLst/>
+      </p:bgPr>
+    </p:bg>
     <p:spTree>
       <p:nvGrpSpPr>
         <p:cNvPr id="1" name=""/>
@@ -16442,6 +19612,171 @@
       </p:grpSpPr>
       <p:sp>
         <p:nvSpPr>
+          <p:cNvPr id="10" name="Rectangle 9">
+            <a:extLst>
+              <a:ext uri="{FF2B5EF4-FFF2-40B4-BE49-F238E27FC236}">
+                <a16:creationId xmlns:a16="http://schemas.microsoft.com/office/drawing/2014/main" id="{3666C606-F808-48E4-9712-E0DBC3131AAD}"/>
+              </a:ext>
+              <a:ext uri="{C183D7F6-B498-43B3-948B-1728B52AA6E4}">
+                <adec:decorative xmlns:adec="http://schemas.microsoft.com/office/drawing/2017/decorative" val="1"/>
+              </a:ext>
+            </a:extLst>
+          </p:cNvPr>
+          <p:cNvSpPr>
+            <a:spLocks noGrp="1" noRot="1" noChangeAspect="1" noMove="1" noResize="1" noEditPoints="1" noAdjustHandles="1" noChangeArrowheads="1" noChangeShapeType="1" noTextEdit="1"/>
+          </p:cNvSpPr>
+          <p:nvPr>
+            <p:extLst>
+              <p:ext uri="{386F3935-93C4-4BCD-93E2-E3B085C9AB24}">
+                <p16:designElem xmlns:p16="http://schemas.microsoft.com/office/powerpoint/2015/main" val="1"/>
+              </p:ext>
+            </p:extLst>
+          </p:nvPr>
+        </p:nvSpPr>
+        <p:spPr>
+          <a:xfrm>
+            <a:off x="0" y="0"/>
+            <a:ext cx="12192000" cy="6858000"/>
+          </a:xfrm>
+          <a:prstGeom prst="rect">
+            <a:avLst/>
+          </a:prstGeom>
+          <a:ln>
+            <a:noFill/>
+          </a:ln>
+        </p:spPr>
+        <p:style>
+          <a:lnRef idx="2">
+            <a:schemeClr val="accent1">
+              <a:shade val="50000"/>
+            </a:schemeClr>
+          </a:lnRef>
+          <a:fillRef idx="1003">
+            <a:schemeClr val="lt2"/>
+          </a:fillRef>
+          <a:effectRef idx="0">
+            <a:schemeClr val="accent1"/>
+          </a:effectRef>
+          <a:fontRef idx="minor">
+            <a:schemeClr val="lt1"/>
+          </a:fontRef>
+        </p:style>
+        <p:txBody>
+          <a:bodyPr rtlCol="0" anchor="ctr"/>
+          <a:lstStyle/>
+          <a:p>
+            <a:pPr algn="ctr"/>
+            <a:endParaRPr lang="en-US"/>
+          </a:p>
+        </p:txBody>
+      </p:sp>
+      <p:sp>
+        <p:nvSpPr>
+          <p:cNvPr id="12" name="Rectangle 11">
+            <a:extLst>
+              <a:ext uri="{FF2B5EF4-FFF2-40B4-BE49-F238E27FC236}">
+                <a16:creationId xmlns:a16="http://schemas.microsoft.com/office/drawing/2014/main" id="{D53C7511-5C4B-49F2-9293-ABA92108D6F4}"/>
+              </a:ext>
+              <a:ext uri="{C183D7F6-B498-43B3-948B-1728B52AA6E4}">
+                <adec:decorative xmlns:adec="http://schemas.microsoft.com/office/drawing/2017/decorative" val="1"/>
+              </a:ext>
+            </a:extLst>
+          </p:cNvPr>
+          <p:cNvSpPr>
+            <a:spLocks noGrp="1" noRot="1" noChangeAspect="1" noMove="1" noResize="1" noEditPoints="1" noAdjustHandles="1" noChangeArrowheads="1" noChangeShapeType="1" noTextEdit="1"/>
+          </p:cNvSpPr>
+          <p:nvPr>
+            <p:extLst>
+              <p:ext uri="{386F3935-93C4-4BCD-93E2-E3B085C9AB24}">
+                <p16:designElem xmlns:p16="http://schemas.microsoft.com/office/powerpoint/2015/main" val="1"/>
+              </p:ext>
+            </p:extLst>
+          </p:nvPr>
+        </p:nvSpPr>
+        <p:spPr>
+          <a:xfrm>
+            <a:off x="0" y="0"/>
+            <a:ext cx="12192000" cy="6858000"/>
+          </a:xfrm>
+          <a:prstGeom prst="rect">
+            <a:avLst/>
+          </a:prstGeom>
+          <a:ln>
+            <a:noFill/>
+          </a:ln>
+        </p:spPr>
+        <p:style>
+          <a:lnRef idx="2">
+            <a:schemeClr val="accent1">
+              <a:shade val="50000"/>
+            </a:schemeClr>
+          </a:lnRef>
+          <a:fillRef idx="1003">
+            <a:schemeClr val="dk2"/>
+          </a:fillRef>
+          <a:effectRef idx="0">
+            <a:schemeClr val="accent1"/>
+          </a:effectRef>
+          <a:fontRef idx="minor">
+            <a:schemeClr val="lt1"/>
+          </a:fontRef>
+        </p:style>
+        <p:txBody>
+          <a:bodyPr rtlCol="0" anchor="ctr"/>
+          <a:lstStyle/>
+          <a:p>
+            <a:pPr algn="ctr"/>
+            <a:endParaRPr lang="en-US"/>
+          </a:p>
+        </p:txBody>
+      </p:sp>
+      <p:pic>
+        <p:nvPicPr>
+          <p:cNvPr id="14" name="Picture 13">
+            <a:extLst>
+              <a:ext uri="{FF2B5EF4-FFF2-40B4-BE49-F238E27FC236}">
+                <a16:creationId xmlns:a16="http://schemas.microsoft.com/office/drawing/2014/main" id="{663C6984-5246-446C-81C5-800EE68D383D}"/>
+              </a:ext>
+              <a:ext uri="{C183D7F6-B498-43B3-948B-1728B52AA6E4}">
+                <adec:decorative xmlns:adec="http://schemas.microsoft.com/office/drawing/2017/decorative" val="1"/>
+              </a:ext>
+            </a:extLst>
+          </p:cNvPr>
+          <p:cNvPicPr>
+            <a:picLocks noGrp="1" noRot="1" noChangeAspect="1" noMove="1" noResize="1" noEditPoints="1" noAdjustHandles="1" noChangeArrowheads="1" noChangeShapeType="1" noCrop="1"/>
+          </p:cNvPicPr>
+          <p:nvPr>
+            <p:extLst>
+              <p:ext uri="{386F3935-93C4-4BCD-93E2-E3B085C9AB24}">
+                <p16:designElem xmlns:p16="http://schemas.microsoft.com/office/powerpoint/2015/main" val="1"/>
+              </p:ext>
+            </p:extLst>
+          </p:nvPr>
+        </p:nvPicPr>
+        <p:blipFill>
+          <a:blip r:embed="rId2">
+            <a:extLst>
+              <a:ext uri="{28A0092B-C50C-407E-A947-70E740481C1C}">
+                <a14:useLocalDpi xmlns:a14="http://schemas.microsoft.com/office/drawing/2010/main" val="0"/>
+              </a:ext>
+            </a:extLst>
+          </a:blip>
+          <a:stretch>
+            <a:fillRect/>
+          </a:stretch>
+        </p:blipFill>
+        <p:spPr>
+          <a:xfrm>
+            <a:off x="0" y="0"/>
+            <a:ext cx="12188825" cy="6856214"/>
+          </a:xfrm>
+          <a:prstGeom prst="rect">
+            <a:avLst/>
+          </a:prstGeom>
+        </p:spPr>
+      </p:pic>
+      <p:sp>
+        <p:nvSpPr>
           <p:cNvPr id="2" name="Title 1">
             <a:extLst>
               <a:ext uri="{FF2B5EF4-FFF2-40B4-BE49-F238E27FC236}">
@@ -16456,144 +19791,225 @@
             <p:ph type="title"/>
           </p:nvPr>
         </p:nvSpPr>
-        <p:spPr/>
+        <p:spPr>
+          <a:xfrm>
+            <a:off x="718457" y="531278"/>
+            <a:ext cx="3211517" cy="5292579"/>
+          </a:xfrm>
+        </p:spPr>
         <p:txBody>
-          <a:bodyPr/>
+          <a:bodyPr>
+            <a:normAutofit/>
+          </a:bodyPr>
           <a:lstStyle/>
           <a:p>
             <a:r>
               <a:rPr lang="en-US">
+                <a:solidFill>
+                  <a:srgbClr val="FFFFFF"/>
+                </a:solidFill>
                 <a:cs typeface="Calibri Light"/>
               </a:rPr>
               <a:t>Out of Scope</a:t>
             </a:r>
-            <a:endParaRPr lang="en-US"/>
+            <a:endParaRPr lang="en-US">
+              <a:solidFill>
+                <a:srgbClr val="FFFFFF"/>
+              </a:solidFill>
+            </a:endParaRPr>
           </a:p>
         </p:txBody>
       </p:sp>
-      <p:sp>
+      <p:sp useBgFill="1">
         <p:nvSpPr>
-          <p:cNvPr id="3" name="Content Placeholder 2">
+          <p:cNvPr id="16" name="Freeform: Shape 15">
             <a:extLst>
               <a:ext uri="{FF2B5EF4-FFF2-40B4-BE49-F238E27FC236}">
-                <a16:creationId xmlns:a16="http://schemas.microsoft.com/office/drawing/2014/main" id="{550EE44D-8AA0-46F1-A114-C1862DD8F3A9}"/>
+                <a16:creationId xmlns:a16="http://schemas.microsoft.com/office/drawing/2014/main" id="{DE43C4C2-EE74-4F25-A574-5D0AB6ED0E47}"/>
+              </a:ext>
+              <a:ext uri="{C183D7F6-B498-43B3-948B-1728B52AA6E4}">
+                <adec:decorative xmlns:adec="http://schemas.microsoft.com/office/drawing/2017/decorative" val="1"/>
               </a:ext>
             </a:extLst>
           </p:cNvPr>
           <p:cNvSpPr>
-            <a:spLocks noGrp="1"/>
+            <a:spLocks noGrp="1" noRot="1" noChangeAspect="1" noMove="1" noResize="1" noEditPoints="1" noAdjustHandles="1" noChangeArrowheads="1" noChangeShapeType="1" noTextEdit="1"/>
           </p:cNvSpPr>
           <p:nvPr>
-            <p:ph idx="1"/>
+            <p:extLst>
+              <p:ext uri="{386F3935-93C4-4BCD-93E2-E3B085C9AB24}">
+                <p16:designElem xmlns:p16="http://schemas.microsoft.com/office/powerpoint/2015/main" val="1"/>
+              </p:ext>
+            </p:extLst>
           </p:nvPr>
         </p:nvSpPr>
-        <p:spPr/>
+        <p:spPr bwMode="grayWhite">
+          <a:xfrm>
+            <a:off x="4422108" y="0"/>
+            <a:ext cx="7769892" cy="6858000"/>
+          </a:xfrm>
+          <a:custGeom>
+            <a:avLst/>
+            <a:gdLst>
+              <a:gd name="connsiteX0" fmla="*/ 1779516 w 7769892"/>
+              <a:gd name="connsiteY0" fmla="*/ 0 h 6837536"/>
+              <a:gd name="connsiteX1" fmla="*/ 6454848 w 7769892"/>
+              <a:gd name="connsiteY1" fmla="*/ 0 h 6837536"/>
+              <a:gd name="connsiteX2" fmla="*/ 6511730 w 7769892"/>
+              <a:gd name="connsiteY2" fmla="*/ 37905 h 6837536"/>
+              <a:gd name="connsiteX3" fmla="*/ 7769892 w 7769892"/>
+              <a:gd name="connsiteY3" fmla="*/ 1486041 h 6837536"/>
+              <a:gd name="connsiteX4" fmla="*/ 7769892 w 7769892"/>
+              <a:gd name="connsiteY4" fmla="*/ 5281056 h 6837536"/>
+              <a:gd name="connsiteX5" fmla="*/ 6353475 w 7769892"/>
+              <a:gd name="connsiteY5" fmla="*/ 6837536 h 6837536"/>
+              <a:gd name="connsiteX6" fmla="*/ 1882727 w 7769892"/>
+              <a:gd name="connsiteY6" fmla="*/ 6837536 h 6837536"/>
+              <a:gd name="connsiteX7" fmla="*/ 0 w 7769892"/>
+              <a:gd name="connsiteY7" fmla="*/ 3386463 h 6837536"/>
+              <a:gd name="connsiteX8" fmla="*/ 1655292 w 7769892"/>
+              <a:gd name="connsiteY8" fmla="*/ 88307 h 6837536"/>
+            </a:gdLst>
+            <a:ahLst/>
+            <a:cxnLst>
+              <a:cxn ang="0">
+                <a:pos x="connsiteX0" y="connsiteY0"/>
+              </a:cxn>
+              <a:cxn ang="0">
+                <a:pos x="connsiteX1" y="connsiteY1"/>
+              </a:cxn>
+              <a:cxn ang="0">
+                <a:pos x="connsiteX2" y="connsiteY2"/>
+              </a:cxn>
+              <a:cxn ang="0">
+                <a:pos x="connsiteX3" y="connsiteY3"/>
+              </a:cxn>
+              <a:cxn ang="0">
+                <a:pos x="connsiteX4" y="connsiteY4"/>
+              </a:cxn>
+              <a:cxn ang="0">
+                <a:pos x="connsiteX5" y="connsiteY5"/>
+              </a:cxn>
+              <a:cxn ang="0">
+                <a:pos x="connsiteX6" y="connsiteY6"/>
+              </a:cxn>
+              <a:cxn ang="0">
+                <a:pos x="connsiteX7" y="connsiteY7"/>
+              </a:cxn>
+              <a:cxn ang="0">
+                <a:pos x="connsiteX8" y="connsiteY8"/>
+              </a:cxn>
+            </a:cxnLst>
+            <a:rect l="l" t="t" r="r" b="b"/>
+            <a:pathLst>
+              <a:path w="7769892" h="6837536">
+                <a:moveTo>
+                  <a:pt x="1779516" y="0"/>
+                </a:moveTo>
+                <a:lnTo>
+                  <a:pt x="6454848" y="0"/>
+                </a:lnTo>
+                <a:lnTo>
+                  <a:pt x="6511730" y="37905"/>
+                </a:lnTo>
+                <a:cubicBezTo>
+                  <a:pt x="7036410" y="413592"/>
+                  <a:pt x="7468976" y="909648"/>
+                  <a:pt x="7769892" y="1486041"/>
+                </a:cubicBezTo>
+                <a:cubicBezTo>
+                  <a:pt x="7769892" y="1486041"/>
+                  <a:pt x="7769892" y="1486041"/>
+                  <a:pt x="7769892" y="5281056"/>
+                </a:cubicBezTo>
+                <a:cubicBezTo>
+                  <a:pt x="7437646" y="5916473"/>
+                  <a:pt x="6953850" y="6452788"/>
+                  <a:pt x="6353475" y="6837536"/>
+                </a:cubicBezTo>
+                <a:cubicBezTo>
+                  <a:pt x="6353475" y="6837536"/>
+                  <a:pt x="6353475" y="6837536"/>
+                  <a:pt x="1882727" y="6837536"/>
+                </a:cubicBezTo>
+                <a:cubicBezTo>
+                  <a:pt x="751925" y="6103017"/>
+                  <a:pt x="0" y="4832183"/>
+                  <a:pt x="0" y="3386463"/>
+                </a:cubicBezTo>
+                <a:cubicBezTo>
+                  <a:pt x="0" y="2036566"/>
+                  <a:pt x="651406" y="838748"/>
+                  <a:pt x="1655292" y="88307"/>
+                </a:cubicBezTo>
+                <a:close/>
+              </a:path>
+            </a:pathLst>
+          </a:custGeom>
+          <a:ln w="50800" cap="sq" cmpd="dbl">
+            <a:noFill/>
+            <a:miter lim="800000"/>
+          </a:ln>
+          <a:effectLst>
+            <a:outerShdw blurRad="254000" algn="tl" rotWithShape="0">
+              <a:srgbClr val="000000">
+                <a:alpha val="43000"/>
+              </a:srgbClr>
+            </a:outerShdw>
+          </a:effectLst>
+        </p:spPr>
         <p:txBody>
-          <a:bodyPr/>
+          <a:bodyPr vert="horz" wrap="square" lIns="91440" tIns="45720" rIns="91440" bIns="45720" rtlCol="0" anchor="t">
+            <a:noAutofit/>
+          </a:bodyPr>
           <a:lstStyle/>
           <a:p>
-            <a:r>
-              <a:rPr lang="en-US">
-                <a:ea typeface="+mn-lt"/>
-                <a:cs typeface="+mn-lt"/>
-              </a:rPr>
-              <a:t>Audiences</a:t>
-            </a:r>
-            <a:endParaRPr lang="en-US">
-              <a:cs typeface="Calibri" panose="020F0502020204030204"/>
-            </a:endParaRPr>
-          </a:p>
-          <a:p>
-            <a:pPr lvl="1"/>
-            <a:r>
-              <a:rPr lang="en-US">
-                <a:ea typeface="+mn-lt"/>
-                <a:cs typeface="+mn-lt"/>
-              </a:rPr>
-              <a:t>Other Businesses</a:t>
-            </a:r>
-          </a:p>
-          <a:p>
-            <a:pPr lvl="1"/>
-            <a:r>
-              <a:rPr lang="en-US">
-                <a:ea typeface="+mn-lt"/>
-                <a:cs typeface="+mn-lt"/>
-              </a:rPr>
-              <a:t>Movie Theatre</a:t>
-            </a:r>
-          </a:p>
-          <a:p>
-            <a:pPr lvl="2"/>
-            <a:r>
-              <a:rPr lang="en-US">
-                <a:ea typeface="+mn-lt"/>
-                <a:cs typeface="+mn-lt"/>
-              </a:rPr>
-              <a:t>Customers</a:t>
-            </a:r>
-          </a:p>
-          <a:p>
-            <a:pPr lvl="2"/>
-            <a:r>
-              <a:rPr lang="en-US">
-                <a:ea typeface="+mn-lt"/>
-                <a:cs typeface="+mn-lt"/>
-              </a:rPr>
-              <a:t>Entry Level Employees</a:t>
-            </a:r>
-          </a:p>
-          <a:p>
-            <a:pPr lvl="2"/>
-            <a:r>
-              <a:rPr lang="en-US">
-                <a:ea typeface="+mn-lt"/>
-                <a:cs typeface="+mn-lt"/>
-              </a:rPr>
-              <a:t>Large Theatres</a:t>
-            </a:r>
-          </a:p>
-          <a:p>
-            <a:r>
-              <a:rPr lang="en-US">
-                <a:ea typeface="+mn-lt"/>
-                <a:cs typeface="+mn-lt"/>
-              </a:rPr>
-              <a:t>Other Uses</a:t>
-            </a:r>
-          </a:p>
-          <a:p>
-            <a:pPr lvl="1"/>
-            <a:r>
-              <a:rPr lang="en-US">
-                <a:cs typeface="Calibri"/>
-              </a:rPr>
-              <a:t>Concession Sales</a:t>
-            </a:r>
-          </a:p>
-          <a:p>
-            <a:pPr lvl="1"/>
-            <a:r>
-              <a:rPr lang="en-US">
-                <a:cs typeface="Calibri"/>
-              </a:rPr>
-              <a:t>Ticket sales data from other theatres</a:t>
-            </a:r>
-          </a:p>
-          <a:p>
-            <a:pPr lvl="1"/>
-            <a:endParaRPr lang="en-US">
-              <a:cs typeface="Calibri"/>
-            </a:endParaRPr>
-          </a:p>
-          <a:p>
-            <a:pPr marL="1028700" lvl="1"/>
-            <a:endParaRPr lang="en-US">
-              <a:cs typeface="Calibri"/>
-            </a:endParaRPr>
+            <a:pPr algn="ctr">
+              <a:spcAft>
+                <a:spcPts val="1000"/>
+              </a:spcAft>
+              <a:buClr>
+                <a:schemeClr val="tx1"/>
+              </a:buClr>
+              <a:buSzPct val="100000"/>
+              <a:buFont typeface="Arial"/>
+              <a:buNone/>
+            </a:pPr>
+            <a:endParaRPr lang="en-US" sz="1600" cap="all"/>
           </a:p>
         </p:txBody>
       </p:sp>
+      <p:graphicFrame>
+        <p:nvGraphicFramePr>
+          <p:cNvPr id="6" name="Content Placeholder 2">
+            <a:extLst>
+              <a:ext uri="{FF2B5EF4-FFF2-40B4-BE49-F238E27FC236}">
+                <a16:creationId xmlns:a16="http://schemas.microsoft.com/office/drawing/2014/main" id="{BE00C739-2EBC-4D61-99CC-429796AFBD76}"/>
+              </a:ext>
+            </a:extLst>
+          </p:cNvPr>
+          <p:cNvGraphicFramePr>
+            <a:graphicFrameLocks noGrp="1"/>
+          </p:cNvGraphicFramePr>
+          <p:nvPr>
+            <p:ph idx="1"/>
+            <p:extLst>
+              <p:ext uri="{D42A27DB-BD31-4B8C-83A1-F6EECF244321}">
+                <p14:modId xmlns:p14="http://schemas.microsoft.com/office/powerpoint/2010/main" val="394962681"/>
+              </p:ext>
+            </p:extLst>
+          </p:nvPr>
+        </p:nvGraphicFramePr>
+        <p:xfrm>
+          <a:off x="5617029" y="793820"/>
+          <a:ext cx="5741534" cy="5170983"/>
+        </p:xfrm>
+        <a:graphic>
+          <a:graphicData uri="http://schemas.openxmlformats.org/drawingml/2006/diagram">
+            <dgm:relIds xmlns:dgm="http://schemas.openxmlformats.org/drawingml/2006/diagram" xmlns:r="http://schemas.openxmlformats.org/officeDocument/2006/relationships" r:dm="rId3" r:lo="rId4" r:qs="rId5" r:cs="rId6"/>
+          </a:graphicData>
+        </a:graphic>
+      </p:graphicFrame>
     </p:spTree>
     <p:extLst>
       <p:ext uri="{BB962C8B-B14F-4D97-AF65-F5344CB8AC3E}">
@@ -16602,7 +20018,7 @@
     </p:extLst>
   </p:cSld>
   <p:clrMapOvr>
-    <a:masterClrMapping/>
+    <a:overrideClrMapping bg1="lt1" tx1="dk1" bg2="lt2" tx2="dk2" accent1="accent1" accent2="accent2" accent3="accent3" accent4="accent4" accent5="accent5" accent6="accent6" hlink="hlink" folHlink="folHlink"/>
   </p:clrMapOvr>
 </p:sld>
 </file>
@@ -16882,7 +20298,7 @@
         </p:nvSpPr>
         <p:spPr>
           <a:xfrm>
-            <a:off x="685801" y="2142067"/>
+            <a:off x="504372" y="1615924"/>
             <a:ext cx="5219699" cy="3649133"/>
           </a:xfrm>
         </p:spPr>
@@ -16896,71 +20312,13 @@
               <a:buNone/>
             </a:pPr>
             <a:r>
-              <a:rPr lang="en-US" dirty="0">
+              <a:rPr lang="en-US">
                 <a:ea typeface="+mn-lt"/>
                 <a:cs typeface="+mn-lt"/>
               </a:rPr>
-              <a:t>Management will be able to better understand movie popularity</a:t>
-            </a:r>
-          </a:p>
-          <a:p>
-            <a:pPr marL="0" indent="0">
-              <a:buNone/>
-            </a:pPr>
-            <a:r>
-              <a:rPr lang="en-US" dirty="0">
-                <a:ea typeface="+mn-lt"/>
-                <a:cs typeface="+mn-lt"/>
-              </a:rPr>
-              <a:t>Allows for better decision making regarding:</a:t>
-            </a:r>
-          </a:p>
-          <a:p>
-            <a:r>
-              <a:rPr lang="en-US" dirty="0">
-                <a:ea typeface="+mn-lt"/>
-                <a:cs typeface="+mn-lt"/>
-              </a:rPr>
-              <a:t>Screen time</a:t>
-            </a:r>
-          </a:p>
-          <a:p>
-            <a:r>
-              <a:rPr lang="en-US" dirty="0">
-                <a:ea typeface="+mn-lt"/>
-                <a:cs typeface="+mn-lt"/>
-              </a:rPr>
-              <a:t>Staffing</a:t>
-            </a:r>
-          </a:p>
-          <a:p>
-            <a:r>
-              <a:rPr lang="en-US" dirty="0">
-                <a:ea typeface="+mn-lt"/>
-                <a:cs typeface="+mn-lt"/>
-              </a:rPr>
-              <a:t>Promotions</a:t>
-            </a:r>
-          </a:p>
-          <a:p>
-            <a:r>
-              <a:rPr lang="en-US" dirty="0">
-                <a:ea typeface="+mn-lt"/>
-                <a:cs typeface="+mn-lt"/>
-              </a:rPr>
-              <a:t>Marketing</a:t>
-            </a:r>
-          </a:p>
-          <a:p>
-            <a:pPr marL="0" indent="0">
-              <a:buNone/>
-            </a:pPr>
-            <a:r>
-              <a:rPr lang="en-US" dirty="0">
-                <a:cs typeface="Calibri"/>
-              </a:rPr>
-              <a:t>Predictive analysis can help in increasing revenue</a:t>
-            </a:r>
+              <a:t>The compiled information will give management a sense of understanding within the market trends and have an ability to make predictions based on the information.</a:t>
+            </a:r>
+            <a:endParaRPr lang="en-US"/>
           </a:p>
         </p:txBody>
       </p:sp>
@@ -17874,15 +21232,6 @@
 </file>
 
 <file path=customXml/item1.xml><?xml version="1.0" encoding="utf-8"?>
-<?mso-contentType ?>
-<FormTemplates xmlns="http://schemas.microsoft.com/sharepoint/v3/contenttype/forms">
-  <Display>DocumentLibraryForm</Display>
-  <Edit>DocumentLibraryForm</Edit>
-  <New>DocumentLibraryForm</New>
-</FormTemplates>
-</file>
-
-<file path=customXml/item2.xml><?xml version="1.0" encoding="utf-8"?>
 <ct:contentTypeSchema xmlns:ct="http://schemas.microsoft.com/office/2006/metadata/contentType" xmlns:ma="http://schemas.microsoft.com/office/2006/metadata/properties/metaAttributes" ct:_="" ma:_="" ma:contentTypeName="Document" ma:contentTypeID="0x01010079F111ED35F8CC479449609E8A0923A6" ma:contentTypeVersion="11" ma:contentTypeDescription="Create a new document." ma:contentTypeScope="" ma:versionID="9677210f24a1be23c92c90fd886aa0aa">
   <xsd:schema xmlns:xsd="http://www.w3.org/2001/XMLSchema" xmlns:xs="http://www.w3.org/2001/XMLSchema" xmlns:p="http://schemas.microsoft.com/office/2006/metadata/properties" xmlns:ns2="71af3243-3dd4-4a8d-8c0d-dd76da1f02a5" xmlns:ns3="16c05727-aa75-4e4a-9b5f-8a80a1165891" targetNamespace="http://schemas.microsoft.com/office/2006/metadata/properties" ma:root="true" ma:fieldsID="60e05723c5c1908df1a1a4ebf11d344e" ns2:_="" ns3:_="">
     <xsd:import namespace="71af3243-3dd4-4a8d-8c0d-dd76da1f02a5"/>
@@ -18093,6 +21442,15 @@
 </ct:contentTypeSchema>
 </file>
 
+<file path=customXml/item2.xml><?xml version="1.0" encoding="utf-8"?>
+<?mso-contentType ?>
+<FormTemplates xmlns="http://schemas.microsoft.com/sharepoint/v3/contenttype/forms">
+  <Display>DocumentLibraryForm</Display>
+  <Edit>DocumentLibraryForm</Edit>
+  <New>DocumentLibraryForm</New>
+</FormTemplates>
+</file>
+
 <file path=customXml/item3.xml><?xml version="1.0" encoding="utf-8"?>
 <p:properties xmlns:p="http://schemas.microsoft.com/office/2006/metadata/properties" xmlns:xsi="http://www.w3.org/2001/XMLSchema-instance" xmlns:pc="http://schemas.microsoft.com/office/infopath/2007/PartnerControls">
   <documentManagement>
@@ -18102,28 +21460,28 @@
 </file>
 
 <file path=customXml/itemProps1.xml><?xml version="1.0" encoding="utf-8"?>
-<ds:datastoreItem xmlns:ds="http://schemas.openxmlformats.org/officeDocument/2006/customXml" ds:itemID="{DFEF6A1A-C688-4464-AB07-AB68677D0963}">
+<ds:datastoreItem xmlns:ds="http://schemas.openxmlformats.org/officeDocument/2006/customXml" ds:itemID="{84178DDC-36E9-4EC8-A11F-9A81F92C0362}">
   <ds:schemaRefs>
-    <ds:schemaRef ds:uri="http://schemas.microsoft.com/sharepoint/v3/contenttype/forms"/>
+    <ds:schemaRef ds:uri="16c05727-aa75-4e4a-9b5f-8a80a1165891"/>
+    <ds:schemaRef ds:uri="71af3243-3dd4-4a8d-8c0d-dd76da1f02a5"/>
+    <ds:schemaRef ds:uri="http://purl.org/dc/elements/1.1/"/>
+    <ds:schemaRef ds:uri="http://purl.org/dc/terms/"/>
+    <ds:schemaRef ds:uri="http://schemas.microsoft.com/internal/obd"/>
+    <ds:schemaRef ds:uri="http://schemas.microsoft.com/office/2006/documentManagement/types"/>
+    <ds:schemaRef ds:uri="http://schemas.microsoft.com/office/2006/metadata/contentType"/>
+    <ds:schemaRef ds:uri="http://schemas.microsoft.com/office/2006/metadata/properties"/>
+    <ds:schemaRef ds:uri="http://schemas.microsoft.com/office/2006/metadata/properties/metaAttributes"/>
+    <ds:schemaRef ds:uri="http://schemas.microsoft.com/office/infopath/2007/PartnerControls"/>
+    <ds:schemaRef ds:uri="http://schemas.openxmlformats.org/package/2006/metadata/core-properties"/>
+    <ds:schemaRef ds:uri="http://www.w3.org/2001/XMLSchema"/>
   </ds:schemaRefs>
 </ds:datastoreItem>
 </file>
 
 <file path=customXml/itemProps2.xml><?xml version="1.0" encoding="utf-8"?>
-<ds:datastoreItem xmlns:ds="http://schemas.openxmlformats.org/officeDocument/2006/customXml" ds:itemID="{84178DDC-36E9-4EC8-A11F-9A81F92C0362}">
+<ds:datastoreItem xmlns:ds="http://schemas.openxmlformats.org/officeDocument/2006/customXml" ds:itemID="{DFEF6A1A-C688-4464-AB07-AB68677D0963}">
   <ds:schemaRefs>
-    <ds:schemaRef ds:uri="http://schemas.microsoft.com/office/2006/metadata/contentType"/>
-    <ds:schemaRef ds:uri="http://schemas.microsoft.com/office/2006/metadata/properties/metaAttributes"/>
-    <ds:schemaRef ds:uri="http://www.w3.org/2001/XMLSchema"/>
-    <ds:schemaRef ds:uri="http://schemas.microsoft.com/office/2006/metadata/properties"/>
-    <ds:schemaRef ds:uri="71af3243-3dd4-4a8d-8c0d-dd76da1f02a5"/>
-    <ds:schemaRef ds:uri="16c05727-aa75-4e4a-9b5f-8a80a1165891"/>
-    <ds:schemaRef ds:uri="http://schemas.microsoft.com/office/2006/documentManagement/types"/>
-    <ds:schemaRef ds:uri="http://schemas.microsoft.com/office/infopath/2007/PartnerControls"/>
-    <ds:schemaRef ds:uri="http://schemas.openxmlformats.org/package/2006/metadata/core-properties"/>
-    <ds:schemaRef ds:uri="http://purl.org/dc/elements/1.1/"/>
-    <ds:schemaRef ds:uri="http://purl.org/dc/terms/"/>
-    <ds:schemaRef ds:uri="http://schemas.microsoft.com/internal/obd"/>
+    <ds:schemaRef ds:uri="http://schemas.microsoft.com/sharepoint/v3/contenttype/forms"/>
   </ds:schemaRefs>
 </ds:datastoreItem>
 </file>
@@ -18132,7 +21490,14 @@
 <ds:datastoreItem xmlns:ds="http://schemas.openxmlformats.org/officeDocument/2006/customXml" ds:itemID="{12C47A85-C19E-4256-8429-038D0FDE2DE5}">
   <ds:schemaRefs>
     <ds:schemaRef ds:uri="http://schemas.microsoft.com/office/2006/metadata/properties"/>
+    <ds:schemaRef ds:uri="http://purl.org/dc/dcmitype/"/>
     <ds:schemaRef ds:uri="http://schemas.microsoft.com/office/infopath/2007/PartnerControls"/>
+    <ds:schemaRef ds:uri="http://purl.org/dc/terms/"/>
+    <ds:schemaRef ds:uri="http://purl.org/dc/elements/1.1/"/>
+    <ds:schemaRef ds:uri="16c05727-aa75-4e4a-9b5f-8a80a1165891"/>
+    <ds:schemaRef ds:uri="http://schemas.microsoft.com/office/2006/documentManagement/types"/>
+    <ds:schemaRef ds:uri="http://www.w3.org/XML/1998/namespace"/>
+    <ds:schemaRef ds:uri="http://schemas.openxmlformats.org/package/2006/metadata/core-properties"/>
     <ds:schemaRef ds:uri="71af3243-3dd4-4a8d-8c0d-dd76da1f02a5"/>
   </ds:schemaRefs>
 </ds:datastoreItem>

--- a/Movie Theater ticket sales system.pptx
+++ b/Movie Theater ticket sales system.pptx
@@ -149,20 +149,6 @@
     </p:ext>
   </p:extLst>
 </p:presentation>
-</file>
-
-<file path=ppt/revisionInfo.xml><?xml version="1.0" encoding="utf-8"?>
-<p1510:revInfo xmlns:a="http://schemas.openxmlformats.org/drawingml/2006/main" xmlns:r="http://schemas.openxmlformats.org/officeDocument/2006/relationships" xmlns:p1510="http://schemas.microsoft.com/office/powerpoint/2015/10/main">
-  <p1510:revLst>
-    <p1510:client id="{098CED7F-418E-DF5C-831C-7201BE900D66}" v="3" dt="2019-06-04T23:26:12.558"/>
-    <p1510:client id="{24AD595C-112D-40A9-24F3-A1B2FF3ECCAE}" v="342" dt="2019-06-04T21:38:30.643"/>
-    <p1510:client id="{55D4DBD9-F365-DD93-91F5-76F75792CB54}" v="2" dt="2019-06-04T22:42:19.741"/>
-    <p1510:client id="{68042F39-FB68-180A-D614-E5A98D4655C2}" v="87" dt="2019-06-04T21:12:51.385"/>
-    <p1510:client id="{840E34F3-AB6D-5C27-3E1B-70F1D7265D0B}" v="24" dt="2019-06-04T22:42:16.071"/>
-    <p1510:client id="{8D55D7E5-A12C-E2B6-37A1-B2734A1EB713}" v="466" dt="2019-06-04T21:27:39.967"/>
-    <p1510:client id="{E56BA32A-89D0-FCFC-A197-3E50565364E9}" v="370" dt="2019-06-04T22:53:04.358"/>
-  </p1510:revLst>
-</p1510:revInfo>
 </file>
 
 <file path=ppt/diagrams/colors1.xml><?xml version="1.0" encoding="utf-8"?>
@@ -17873,7 +17859,7 @@
               <a:buNone/>
             </a:pPr>
             <a:r>
-              <a:rPr lang="en-US">
+              <a:rPr lang="en-US" dirty="0">
                 <a:cs typeface="Calibri"/>
               </a:rPr>
               <a:t>Web based application utilizing:</a:t>
@@ -17881,7 +17867,7 @@
           </a:p>
           <a:p>
             <a:r>
-              <a:rPr lang="en-US">
+              <a:rPr lang="en-US" dirty="0">
                 <a:cs typeface="Calibri"/>
               </a:rPr>
               <a:t>HTML</a:t>
@@ -17889,7 +17875,7 @@
           </a:p>
           <a:p>
             <a:r>
-              <a:rPr lang="en-US">
+              <a:rPr lang="en-US" dirty="0">
                 <a:cs typeface="Calibri"/>
               </a:rPr>
               <a:t>CSS</a:t>
@@ -17897,7 +17883,7 @@
           </a:p>
           <a:p>
             <a:r>
-              <a:rPr lang="en-US">
+              <a:rPr lang="en-US" dirty="0">
                 <a:cs typeface="Calibri"/>
               </a:rPr>
               <a:t>JavaScript</a:t>
@@ -17905,25 +17891,17 @@
           </a:p>
           <a:p>
             <a:r>
-              <a:rPr lang="en-US">
+              <a:rPr lang="en-US" dirty="0">
                 <a:cs typeface="Calibri"/>
               </a:rPr>
               <a:t>MySQL</a:t>
             </a:r>
           </a:p>
           <a:p>
-            <a:r>
-              <a:rPr lang="en-US">
-                <a:cs typeface="Calibri"/>
-              </a:rPr>
-              <a:t>Java GUI</a:t>
-            </a:r>
-          </a:p>
-          <a:p>
             <a:pPr marL="0" indent="0">
               <a:buNone/>
             </a:pPr>
-            <a:endParaRPr lang="en-US">
+            <a:endParaRPr lang="en-US" dirty="0">
               <a:cs typeface="Calibri"/>
             </a:endParaRPr>
           </a:p>
@@ -17931,8 +17909,16 @@
             <a:pPr marL="0" indent="0">
               <a:buNone/>
             </a:pPr>
-            <a:r>
-              <a:rPr lang="en-US">
+            <a:endParaRPr lang="en-US" dirty="0">
+              <a:cs typeface="Calibri"/>
+            </a:endParaRPr>
+          </a:p>
+          <a:p>
+            <a:pPr marL="0" indent="0">
+              <a:buNone/>
+            </a:pPr>
+            <a:r>
+              <a:rPr lang="en-US" dirty="0">
                 <a:cs typeface="Calibri"/>
               </a:rPr>
               <a:t>Accessible via URL for authorized users</a:t>
@@ -21489,14 +21475,14 @@
 <file path=customXml/itemProps3.xml><?xml version="1.0" encoding="utf-8"?>
 <ds:datastoreItem xmlns:ds="http://schemas.openxmlformats.org/officeDocument/2006/customXml" ds:itemID="{12C47A85-C19E-4256-8429-038D0FDE2DE5}">
   <ds:schemaRefs>
+    <ds:schemaRef ds:uri="http://www.w3.org/XML/1998/namespace"/>
+    <ds:schemaRef ds:uri="http://purl.org/dc/elements/1.1/"/>
     <ds:schemaRef ds:uri="http://schemas.microsoft.com/office/2006/metadata/properties"/>
     <ds:schemaRef ds:uri="http://purl.org/dc/dcmitype/"/>
+    <ds:schemaRef ds:uri="http://schemas.microsoft.com/office/2006/documentManagement/types"/>
+    <ds:schemaRef ds:uri="http://purl.org/dc/terms/"/>
+    <ds:schemaRef ds:uri="16c05727-aa75-4e4a-9b5f-8a80a1165891"/>
     <ds:schemaRef ds:uri="http://schemas.microsoft.com/office/infopath/2007/PartnerControls"/>
-    <ds:schemaRef ds:uri="http://purl.org/dc/terms/"/>
-    <ds:schemaRef ds:uri="http://purl.org/dc/elements/1.1/"/>
-    <ds:schemaRef ds:uri="16c05727-aa75-4e4a-9b5f-8a80a1165891"/>
-    <ds:schemaRef ds:uri="http://schemas.microsoft.com/office/2006/documentManagement/types"/>
-    <ds:schemaRef ds:uri="http://www.w3.org/XML/1998/namespace"/>
     <ds:schemaRef ds:uri="http://schemas.openxmlformats.org/package/2006/metadata/core-properties"/>
     <ds:schemaRef ds:uri="71af3243-3dd4-4a8d-8c0d-dd76da1f02a5"/>
   </ds:schemaRefs>
